--- a/figures/figure-workflow/figure1-new-cycle-vertical-no-bg.pptx
+++ b/figures/figure-workflow/figure1-new-cycle-vertical-no-bg.pptx
@@ -254,7 +254,7 @@
           <a:p>
             <a:fld id="{B4970447-8C83-B347-8B06-AB59AEB01EEB}" type="datetimeFigureOut">
               <a:rPr lang="en-US" smtClean="0"/>
-              <a:t>7/13/23</a:t>
+              <a:t>8/10/23</a:t>
             </a:fld>
             <a:endParaRPr lang="en-US"/>
           </a:p>
@@ -424,7 +424,7 @@
           <a:p>
             <a:fld id="{B4970447-8C83-B347-8B06-AB59AEB01EEB}" type="datetimeFigureOut">
               <a:rPr lang="en-US" smtClean="0"/>
-              <a:t>7/13/23</a:t>
+              <a:t>8/10/23</a:t>
             </a:fld>
             <a:endParaRPr lang="en-US"/>
           </a:p>
@@ -604,7 +604,7 @@
           <a:p>
             <a:fld id="{B4970447-8C83-B347-8B06-AB59AEB01EEB}" type="datetimeFigureOut">
               <a:rPr lang="en-US" smtClean="0"/>
-              <a:t>7/13/23</a:t>
+              <a:t>8/10/23</a:t>
             </a:fld>
             <a:endParaRPr lang="en-US"/>
           </a:p>
@@ -774,7 +774,7 @@
           <a:p>
             <a:fld id="{B4970447-8C83-B347-8B06-AB59AEB01EEB}" type="datetimeFigureOut">
               <a:rPr lang="en-US" smtClean="0"/>
-              <a:t>7/13/23</a:t>
+              <a:t>8/10/23</a:t>
             </a:fld>
             <a:endParaRPr lang="en-US"/>
           </a:p>
@@ -1018,7 +1018,7 @@
           <a:p>
             <a:fld id="{B4970447-8C83-B347-8B06-AB59AEB01EEB}" type="datetimeFigureOut">
               <a:rPr lang="en-US" smtClean="0"/>
-              <a:t>7/13/23</a:t>
+              <a:t>8/10/23</a:t>
             </a:fld>
             <a:endParaRPr lang="en-US"/>
           </a:p>
@@ -1250,7 +1250,7 @@
           <a:p>
             <a:fld id="{B4970447-8C83-B347-8B06-AB59AEB01EEB}" type="datetimeFigureOut">
               <a:rPr lang="en-US" smtClean="0"/>
-              <a:t>7/13/23</a:t>
+              <a:t>8/10/23</a:t>
             </a:fld>
             <a:endParaRPr lang="en-US"/>
           </a:p>
@@ -1617,7 +1617,7 @@
           <a:p>
             <a:fld id="{B4970447-8C83-B347-8B06-AB59AEB01EEB}" type="datetimeFigureOut">
               <a:rPr lang="en-US" smtClean="0"/>
-              <a:t>7/13/23</a:t>
+              <a:t>8/10/23</a:t>
             </a:fld>
             <a:endParaRPr lang="en-US"/>
           </a:p>
@@ -1735,7 +1735,7 @@
           <a:p>
             <a:fld id="{B4970447-8C83-B347-8B06-AB59AEB01EEB}" type="datetimeFigureOut">
               <a:rPr lang="en-US" smtClean="0"/>
-              <a:t>7/13/23</a:t>
+              <a:t>8/10/23</a:t>
             </a:fld>
             <a:endParaRPr lang="en-US"/>
           </a:p>
@@ -1830,7 +1830,7 @@
           <a:p>
             <a:fld id="{B4970447-8C83-B347-8B06-AB59AEB01EEB}" type="datetimeFigureOut">
               <a:rPr lang="en-US" smtClean="0"/>
-              <a:t>7/13/23</a:t>
+              <a:t>8/10/23</a:t>
             </a:fld>
             <a:endParaRPr lang="en-US"/>
           </a:p>
@@ -2107,7 +2107,7 @@
           <a:p>
             <a:fld id="{B4970447-8C83-B347-8B06-AB59AEB01EEB}" type="datetimeFigureOut">
               <a:rPr lang="en-US" smtClean="0"/>
-              <a:t>7/13/23</a:t>
+              <a:t>8/10/23</a:t>
             </a:fld>
             <a:endParaRPr lang="en-US"/>
           </a:p>
@@ -2364,7 +2364,7 @@
           <a:p>
             <a:fld id="{B4970447-8C83-B347-8B06-AB59AEB01EEB}" type="datetimeFigureOut">
               <a:rPr lang="en-US" smtClean="0"/>
-              <a:t>7/13/23</a:t>
+              <a:t>8/10/23</a:t>
             </a:fld>
             <a:endParaRPr lang="en-US"/>
           </a:p>
@@ -2577,7 +2577,7 @@
           <a:p>
             <a:fld id="{B4970447-8C83-B347-8B06-AB59AEB01EEB}" type="datetimeFigureOut">
               <a:rPr lang="en-US" smtClean="0"/>
-              <a:t>7/13/23</a:t>
+              <a:t>8/10/23</a:t>
             </a:fld>
             <a:endParaRPr lang="en-US"/>
           </a:p>
@@ -2984,264 +2984,6 @@
       </p:grpSpPr>
       <p:grpSp>
         <p:nvGrpSpPr>
-          <p:cNvPr id="27" name="Group 26">
-            <a:extLst>
-              <a:ext uri="{FF2B5EF4-FFF2-40B4-BE49-F238E27FC236}">
-                <a16:creationId xmlns:a16="http://schemas.microsoft.com/office/drawing/2014/main" id="{253067D3-A849-D18A-3790-EE83E1D74771}"/>
-              </a:ext>
-            </a:extLst>
-          </p:cNvPr>
-          <p:cNvGrpSpPr/>
-          <p:nvPr/>
-        </p:nvGrpSpPr>
-        <p:grpSpPr>
-          <a:xfrm>
-            <a:off x="4291118" y="42555"/>
-            <a:ext cx="495297" cy="487448"/>
-            <a:chOff x="10386505" y="7974231"/>
-            <a:chExt cx="1706127" cy="1679086"/>
-          </a:xfrm>
-        </p:grpSpPr>
-        <p:sp>
-          <p:nvSpPr>
-            <p:cNvPr id="28" name="Oval 27">
-              <a:extLst>
-                <a:ext uri="{FF2B5EF4-FFF2-40B4-BE49-F238E27FC236}">
-                  <a16:creationId xmlns:a16="http://schemas.microsoft.com/office/drawing/2014/main" id="{3614C46A-9786-2DB6-6A56-2FF7A2E0A566}"/>
-                </a:ext>
-              </a:extLst>
-            </p:cNvPr>
-            <p:cNvSpPr/>
-            <p:nvPr/>
-          </p:nvSpPr>
-          <p:spPr>
-            <a:xfrm>
-              <a:off x="10386505" y="7974231"/>
-              <a:ext cx="1706127" cy="1679086"/>
-            </a:xfrm>
-            <a:prstGeom prst="ellipse">
-              <a:avLst/>
-            </a:prstGeom>
-            <a:solidFill>
-              <a:srgbClr val="558997">
-                <a:alpha val="71000"/>
-              </a:srgbClr>
-            </a:solidFill>
-            <a:ln>
-              <a:noFill/>
-            </a:ln>
-          </p:spPr>
-          <p:style>
-            <a:lnRef idx="2">
-              <a:schemeClr val="accent1">
-                <a:shade val="50000"/>
-              </a:schemeClr>
-            </a:lnRef>
-            <a:fillRef idx="1">
-              <a:schemeClr val="accent1"/>
-            </a:fillRef>
-            <a:effectRef idx="0">
-              <a:schemeClr val="accent1"/>
-            </a:effectRef>
-            <a:fontRef idx="minor">
-              <a:schemeClr val="lt1"/>
-            </a:fontRef>
-          </p:style>
-          <p:txBody>
-            <a:bodyPr rtlCol="0" anchor="ctr"/>
-            <a:lstStyle/>
-            <a:p>
-              <a:pPr algn="ctr"/>
-              <a:endParaRPr lang="en-US" sz="406"/>
-            </a:p>
-          </p:txBody>
-        </p:sp>
-        <p:pic>
-          <p:nvPicPr>
-            <p:cNvPr id="29" name="Picture 2" descr="BOLD: Barcode of Life Data Systems | Centre for Biodiversity Genomics">
-              <a:extLst>
-                <a:ext uri="{FF2B5EF4-FFF2-40B4-BE49-F238E27FC236}">
-                  <a16:creationId xmlns:a16="http://schemas.microsoft.com/office/drawing/2014/main" id="{A34D7430-6FB2-098F-0E20-AE6CD007A365}"/>
-                </a:ext>
-              </a:extLst>
-            </p:cNvPr>
-            <p:cNvPicPr>
-              <a:picLocks noChangeAspect="1" noChangeArrowheads="1"/>
-            </p:cNvPicPr>
-            <p:nvPr/>
-          </p:nvPicPr>
-          <p:blipFill>
-            <a:blip r:embed="rId2">
-              <a:extLst>
-                <a:ext uri="{BEBA8EAE-BF5A-486C-A8C5-ECC9F3942E4B}">
-                  <a14:imgProps xmlns:a14="http://schemas.microsoft.com/office/drawing/2010/main">
-                    <a14:imgLayer r:embed="rId3">
-                      <a14:imgEffect>
-                        <a14:brightnessContrast contrast="-40000"/>
-                      </a14:imgEffect>
-                    </a14:imgLayer>
-                  </a14:imgProps>
-                </a:ext>
-                <a:ext uri="{28A0092B-C50C-407E-A947-70E740481C1C}">
-                  <a14:useLocalDpi xmlns:a14="http://schemas.microsoft.com/office/drawing/2010/main" val="0"/>
-                </a:ext>
-              </a:extLst>
-            </a:blip>
-            <a:srcRect/>
-            <a:stretch>
-              <a:fillRect/>
-            </a:stretch>
-          </p:blipFill>
-          <p:spPr bwMode="auto">
-            <a:xfrm>
-              <a:off x="10594348" y="8425714"/>
-              <a:ext cx="1272973" cy="779727"/>
-            </a:xfrm>
-            <a:prstGeom prst="rect">
-              <a:avLst/>
-            </a:prstGeom>
-            <a:noFill/>
-            <a:extLst>
-              <a:ext uri="{909E8E84-426E-40DD-AFC4-6F175D3DCCD1}">
-                <a14:hiddenFill xmlns:a14="http://schemas.microsoft.com/office/drawing/2010/main">
-                  <a:solidFill>
-                    <a:srgbClr val="FFFFFF"/>
-                  </a:solidFill>
-                </a14:hiddenFill>
-              </a:ext>
-            </a:extLst>
-          </p:spPr>
-        </p:pic>
-      </p:grpSp>
-      <p:grpSp>
-        <p:nvGrpSpPr>
-          <p:cNvPr id="36" name="Group 35">
-            <a:extLst>
-              <a:ext uri="{FF2B5EF4-FFF2-40B4-BE49-F238E27FC236}">
-                <a16:creationId xmlns:a16="http://schemas.microsoft.com/office/drawing/2014/main" id="{81244FD4-9766-83A4-6351-D683849BBF47}"/>
-              </a:ext>
-            </a:extLst>
-          </p:cNvPr>
-          <p:cNvGrpSpPr/>
-          <p:nvPr/>
-        </p:nvGrpSpPr>
-        <p:grpSpPr>
-          <a:xfrm>
-            <a:off x="4270144" y="982825"/>
-            <a:ext cx="614272" cy="443110"/>
-            <a:chOff x="4285124" y="1044781"/>
-            <a:chExt cx="468677" cy="338084"/>
-          </a:xfrm>
-        </p:grpSpPr>
-        <p:sp>
-          <p:nvSpPr>
-            <p:cNvPr id="37" name="Regular Pentagon 36">
-              <a:extLst>
-                <a:ext uri="{FF2B5EF4-FFF2-40B4-BE49-F238E27FC236}">
-                  <a16:creationId xmlns:a16="http://schemas.microsoft.com/office/drawing/2014/main" id="{FC930AB2-BB92-60F6-F9FE-831EF080633E}"/>
-                </a:ext>
-              </a:extLst>
-            </p:cNvPr>
-            <p:cNvSpPr/>
-            <p:nvPr/>
-          </p:nvSpPr>
-          <p:spPr>
-            <a:xfrm>
-              <a:off x="4312699" y="1044781"/>
-              <a:ext cx="392547" cy="338084"/>
-            </a:xfrm>
-            <a:prstGeom prst="pentagon">
-              <a:avLst/>
-            </a:prstGeom>
-            <a:solidFill>
-              <a:schemeClr val="accent5">
-                <a:lumMod val="60000"/>
-                <a:lumOff val="40000"/>
-              </a:schemeClr>
-            </a:solidFill>
-            <a:ln>
-              <a:noFill/>
-            </a:ln>
-          </p:spPr>
-          <p:style>
-            <a:lnRef idx="2">
-              <a:schemeClr val="accent1">
-                <a:shade val="50000"/>
-              </a:schemeClr>
-            </a:lnRef>
-            <a:fillRef idx="1">
-              <a:schemeClr val="accent1"/>
-            </a:fillRef>
-            <a:effectRef idx="0">
-              <a:schemeClr val="accent1"/>
-            </a:effectRef>
-            <a:fontRef idx="minor">
-              <a:schemeClr val="lt1"/>
-            </a:fontRef>
-          </p:style>
-          <p:txBody>
-            <a:bodyPr rtlCol="0" anchor="ctr"/>
-            <a:lstStyle/>
-            <a:p>
-              <a:pPr algn="ctr"/>
-              <a:endParaRPr lang="en-US"/>
-            </a:p>
-          </p:txBody>
-        </p:sp>
-        <p:sp>
-          <p:nvSpPr>
-            <p:cNvPr id="38" name="TextBox 37">
-              <a:extLst>
-                <a:ext uri="{FF2B5EF4-FFF2-40B4-BE49-F238E27FC236}">
-                  <a16:creationId xmlns:a16="http://schemas.microsoft.com/office/drawing/2014/main" id="{D2D1AE61-E2D4-BD03-53B4-BEF23A39692D}"/>
-                </a:ext>
-              </a:extLst>
-            </p:cNvPr>
-            <p:cNvSpPr txBox="1"/>
-            <p:nvPr/>
-          </p:nvSpPr>
-          <p:spPr>
-            <a:xfrm>
-              <a:off x="4285124" y="1117736"/>
-              <a:ext cx="468677" cy="258310"/>
-            </a:xfrm>
-            <a:prstGeom prst="rect">
-              <a:avLst/>
-            </a:prstGeom>
-            <a:noFill/>
-          </p:spPr>
-          <p:txBody>
-            <a:bodyPr wrap="none" rtlCol="0">
-              <a:spAutoFit/>
-            </a:bodyPr>
-            <a:lstStyle/>
-            <a:p>
-              <a:pPr algn="ctr"/>
-              <a:r>
-                <a:rPr lang="en-US" sz="800" b="1" dirty="0">
-                  <a:solidFill>
-                    <a:srgbClr val="C00000"/>
-                  </a:solidFill>
-                </a:rPr>
-                <a:t>Your own </a:t>
-              </a:r>
-            </a:p>
-            <a:p>
-              <a:pPr algn="ctr"/>
-              <a:r>
-                <a:rPr lang="en-US" sz="800" b="1" dirty="0">
-                  <a:solidFill>
-                    <a:srgbClr val="C00000"/>
-                  </a:solidFill>
-                </a:rPr>
-                <a:t>tree</a:t>
-              </a:r>
-            </a:p>
-          </p:txBody>
-        </p:sp>
-      </p:grpSp>
-      <p:grpSp>
-        <p:nvGrpSpPr>
           <p:cNvPr id="52" name="Group 51">
             <a:extLst>
               <a:ext uri="{FF2B5EF4-FFF2-40B4-BE49-F238E27FC236}">
@@ -3275,10 +3017,10 @@
             <p:nvPr/>
           </p:nvPicPr>
           <p:blipFill rotWithShape="1">
-            <a:blip r:embed="rId4">
+            <a:blip r:embed="rId2">
               <a:extLst>
                 <a:ext uri="{96DAC541-7B7A-43D3-8B79-37D633B846F1}">
-                  <asvg:svgBlip xmlns:asvg="http://schemas.microsoft.com/office/drawing/2016/SVG/main" r:embed="rId5"/>
+                  <asvg:svgBlip xmlns:asvg="http://schemas.microsoft.com/office/drawing/2016/SVG/main" r:embed="rId3"/>
                 </a:ext>
               </a:extLst>
             </a:blip>
@@ -3310,10 +3052,10 @@
             <p:nvPr/>
           </p:nvPicPr>
           <p:blipFill rotWithShape="1">
-            <a:blip r:embed="rId6">
+            <a:blip r:embed="rId4">
               <a:extLst>
                 <a:ext uri="{96DAC541-7B7A-43D3-8B79-37D633B846F1}">
-                  <asvg:svgBlip xmlns:asvg="http://schemas.microsoft.com/office/drawing/2016/SVG/main" r:embed="rId7"/>
+                  <asvg:svgBlip xmlns:asvg="http://schemas.microsoft.com/office/drawing/2016/SVG/main" r:embed="rId5"/>
                 </a:ext>
               </a:extLst>
             </a:blip>
@@ -3345,7 +3087,7 @@
         </p:nvSpPr>
         <p:spPr>
           <a:xfrm>
-            <a:off x="941622" y="104109"/>
+            <a:off x="818334" y="104109"/>
             <a:ext cx="1283100" cy="246221"/>
           </a:xfrm>
           <a:prstGeom prst="rect">
@@ -3410,7 +3152,7 @@
         </p:nvSpPr>
         <p:spPr>
           <a:xfrm>
-            <a:off x="941623" y="917384"/>
+            <a:off x="818335" y="917384"/>
             <a:ext cx="1283100" cy="246221"/>
           </a:xfrm>
           <a:prstGeom prst="rect">
@@ -3440,377 +3182,6 @@
           </a:p>
         </p:txBody>
       </p:sp>
-      <p:grpSp>
-        <p:nvGrpSpPr>
-          <p:cNvPr id="30" name="Group 29">
-            <a:extLst>
-              <a:ext uri="{FF2B5EF4-FFF2-40B4-BE49-F238E27FC236}">
-                <a16:creationId xmlns:a16="http://schemas.microsoft.com/office/drawing/2014/main" id="{160A48FA-C6A6-FCF8-E16B-468B2D0E73B6}"/>
-              </a:ext>
-            </a:extLst>
-          </p:cNvPr>
-          <p:cNvGrpSpPr/>
-          <p:nvPr/>
-        </p:nvGrpSpPr>
-        <p:grpSpPr>
-          <a:xfrm>
-            <a:off x="3370760" y="455498"/>
-            <a:ext cx="1149832" cy="520271"/>
-            <a:chOff x="3854699" y="1112178"/>
-            <a:chExt cx="674096" cy="299091"/>
-          </a:xfrm>
-        </p:grpSpPr>
-        <p:sp>
-          <p:nvSpPr>
-            <p:cNvPr id="31" name="Snip Diagonal Corner Rectangle 30">
-              <a:extLst>
-                <a:ext uri="{FF2B5EF4-FFF2-40B4-BE49-F238E27FC236}">
-                  <a16:creationId xmlns:a16="http://schemas.microsoft.com/office/drawing/2014/main" id="{41B4CBC3-C302-6530-AF2A-87E42EAA34F4}"/>
-                </a:ext>
-              </a:extLst>
-            </p:cNvPr>
-            <p:cNvSpPr/>
-            <p:nvPr/>
-          </p:nvSpPr>
-          <p:spPr>
-            <a:xfrm>
-              <a:off x="4019895" y="1112178"/>
-              <a:ext cx="343705" cy="299091"/>
-            </a:xfrm>
-            <a:prstGeom prst="snip2DiagRect">
-              <a:avLst/>
-            </a:prstGeom>
-            <a:solidFill>
-              <a:srgbClr val="E6ADFF"/>
-            </a:solidFill>
-            <a:ln>
-              <a:noFill/>
-            </a:ln>
-          </p:spPr>
-          <p:style>
-            <a:lnRef idx="2">
-              <a:schemeClr val="accent1">
-                <a:shade val="50000"/>
-              </a:schemeClr>
-            </a:lnRef>
-            <a:fillRef idx="1">
-              <a:schemeClr val="accent1"/>
-            </a:fillRef>
-            <a:effectRef idx="0">
-              <a:schemeClr val="accent1"/>
-            </a:effectRef>
-            <a:fontRef idx="minor">
-              <a:schemeClr val="lt1"/>
-            </a:fontRef>
-          </p:style>
-          <p:txBody>
-            <a:bodyPr rtlCol="0" anchor="ctr"/>
-            <a:lstStyle/>
-            <a:p>
-              <a:pPr algn="ctr"/>
-              <a:endParaRPr lang="en-US"/>
-            </a:p>
-          </p:txBody>
-        </p:sp>
-        <p:sp>
-          <p:nvSpPr>
-            <p:cNvPr id="32" name="TextBox 31">
-              <a:extLst>
-                <a:ext uri="{FF2B5EF4-FFF2-40B4-BE49-F238E27FC236}">
-                  <a16:creationId xmlns:a16="http://schemas.microsoft.com/office/drawing/2014/main" id="{6A800C8C-413F-BEC6-B191-920D28D233C7}"/>
-                </a:ext>
-              </a:extLst>
-            </p:cNvPr>
-            <p:cNvSpPr txBox="1"/>
-            <p:nvPr/>
-          </p:nvSpPr>
-          <p:spPr>
-            <a:xfrm>
-              <a:off x="3854699" y="1126058"/>
-              <a:ext cx="674096" cy="265400"/>
-            </a:xfrm>
-            <a:prstGeom prst="rect">
-              <a:avLst/>
-            </a:prstGeom>
-            <a:noFill/>
-          </p:spPr>
-          <p:txBody>
-            <a:bodyPr wrap="square">
-              <a:spAutoFit/>
-            </a:bodyPr>
-            <a:lstStyle/>
-            <a:p>
-              <a:pPr algn="ctr"/>
-              <a:r>
-                <a:rPr lang="en-US" sz="800" b="1" dirty="0">
-                  <a:solidFill>
-                    <a:schemeClr val="accent6">
-                      <a:lumMod val="75000"/>
-                    </a:schemeClr>
-                  </a:solidFill>
-                </a:rPr>
-                <a:t>The largest </a:t>
-              </a:r>
-            </a:p>
-            <a:p>
-              <a:pPr algn="ctr"/>
-              <a:r>
-                <a:rPr lang="en-US" sz="800" b="1" dirty="0">
-                  <a:solidFill>
-                    <a:schemeClr val="accent6">
-                      <a:lumMod val="75000"/>
-                    </a:schemeClr>
-                  </a:solidFill>
-                </a:rPr>
-                <a:t>source </a:t>
-              </a:r>
-            </a:p>
-            <a:p>
-              <a:pPr algn="ctr"/>
-              <a:r>
-                <a:rPr lang="en-US" sz="800" b="1" dirty="0">
-                  <a:solidFill>
-                    <a:schemeClr val="accent6">
-                      <a:lumMod val="75000"/>
-                    </a:schemeClr>
-                  </a:solidFill>
-                </a:rPr>
-                <a:t>chronogram</a:t>
-              </a:r>
-            </a:p>
-          </p:txBody>
-        </p:sp>
-      </p:grpSp>
-      <p:grpSp>
-        <p:nvGrpSpPr>
-          <p:cNvPr id="33" name="Group 32">
-            <a:extLst>
-              <a:ext uri="{FF2B5EF4-FFF2-40B4-BE49-F238E27FC236}">
-                <a16:creationId xmlns:a16="http://schemas.microsoft.com/office/drawing/2014/main" id="{FBEFF6F9-A637-44A4-ED8E-C58057231DED}"/>
-              </a:ext>
-            </a:extLst>
-          </p:cNvPr>
-          <p:cNvGrpSpPr/>
-          <p:nvPr/>
-        </p:nvGrpSpPr>
-        <p:grpSpPr>
-          <a:xfrm>
-            <a:off x="3495567" y="1080783"/>
-            <a:ext cx="641593" cy="361894"/>
-            <a:chOff x="5112258" y="655789"/>
-            <a:chExt cx="596323" cy="336359"/>
-          </a:xfrm>
-        </p:grpSpPr>
-        <p:sp>
-          <p:nvSpPr>
-            <p:cNvPr id="34" name="Rounded Rectangle 33">
-              <a:extLst>
-                <a:ext uri="{FF2B5EF4-FFF2-40B4-BE49-F238E27FC236}">
-                  <a16:creationId xmlns:a16="http://schemas.microsoft.com/office/drawing/2014/main" id="{77C0CAA7-74CA-A84B-A6D0-9E1DD0B899DF}"/>
-                </a:ext>
-              </a:extLst>
-            </p:cNvPr>
-            <p:cNvSpPr/>
-            <p:nvPr/>
-          </p:nvSpPr>
-          <p:spPr>
-            <a:xfrm>
-              <a:off x="5112258" y="655789"/>
-              <a:ext cx="596323" cy="336359"/>
-            </a:xfrm>
-            <a:prstGeom prst="roundRect">
-              <a:avLst/>
-            </a:prstGeom>
-            <a:solidFill>
-              <a:srgbClr val="4698AE"/>
-            </a:solidFill>
-            <a:ln>
-              <a:noFill/>
-            </a:ln>
-          </p:spPr>
-          <p:style>
-            <a:lnRef idx="2">
-              <a:schemeClr val="accent1">
-                <a:shade val="50000"/>
-              </a:schemeClr>
-            </a:lnRef>
-            <a:fillRef idx="1">
-              <a:schemeClr val="accent1"/>
-            </a:fillRef>
-            <a:effectRef idx="0">
-              <a:schemeClr val="accent1"/>
-            </a:effectRef>
-            <a:fontRef idx="minor">
-              <a:schemeClr val="lt1"/>
-            </a:fontRef>
-          </p:style>
-          <p:txBody>
-            <a:bodyPr rtlCol="0" anchor="ctr"/>
-            <a:lstStyle/>
-            <a:p>
-              <a:pPr algn="ctr"/>
-              <a:endParaRPr lang="en-US"/>
-            </a:p>
-          </p:txBody>
-        </p:sp>
-        <p:pic>
-          <p:nvPicPr>
-            <p:cNvPr id="35" name="Picture 34">
-              <a:extLst>
-                <a:ext uri="{FF2B5EF4-FFF2-40B4-BE49-F238E27FC236}">
-                  <a16:creationId xmlns:a16="http://schemas.microsoft.com/office/drawing/2014/main" id="{1AF73795-E194-6250-C7A8-EF90F8079B11}"/>
-                </a:ext>
-              </a:extLst>
-            </p:cNvPr>
-            <p:cNvPicPr>
-              <a:picLocks noChangeAspect="1"/>
-            </p:cNvPicPr>
-            <p:nvPr/>
-          </p:nvPicPr>
-          <p:blipFill>
-            <a:blip r:embed="rId8"/>
-            <a:stretch>
-              <a:fillRect/>
-            </a:stretch>
-          </p:blipFill>
-          <p:spPr>
-            <a:xfrm>
-              <a:off x="5148194" y="698937"/>
-              <a:ext cx="475906" cy="227494"/>
-            </a:xfrm>
-            <a:prstGeom prst="rect">
-              <a:avLst/>
-            </a:prstGeom>
-          </p:spPr>
-        </p:pic>
-      </p:grpSp>
-      <p:grpSp>
-        <p:nvGrpSpPr>
-          <p:cNvPr id="39" name="Group 38">
-            <a:extLst>
-              <a:ext uri="{FF2B5EF4-FFF2-40B4-BE49-F238E27FC236}">
-                <a16:creationId xmlns:a16="http://schemas.microsoft.com/office/drawing/2014/main" id="{222C28D4-99C8-4687-4F28-E271E414EF21}"/>
-              </a:ext>
-            </a:extLst>
-          </p:cNvPr>
-          <p:cNvGrpSpPr/>
-          <p:nvPr/>
-        </p:nvGrpSpPr>
-        <p:grpSpPr>
-          <a:xfrm>
-            <a:off x="3333353" y="38066"/>
-            <a:ext cx="1054892" cy="338554"/>
-            <a:chOff x="3858522" y="1175349"/>
-            <a:chExt cx="648928" cy="221461"/>
-          </a:xfrm>
-        </p:grpSpPr>
-        <p:sp>
-          <p:nvSpPr>
-            <p:cNvPr id="40" name="Plaque 39">
-              <a:extLst>
-                <a:ext uri="{FF2B5EF4-FFF2-40B4-BE49-F238E27FC236}">
-                  <a16:creationId xmlns:a16="http://schemas.microsoft.com/office/drawing/2014/main" id="{4A9FA703-30B8-9853-4924-31763933D71F}"/>
-                </a:ext>
-              </a:extLst>
-            </p:cNvPr>
-            <p:cNvSpPr/>
-            <p:nvPr/>
-          </p:nvSpPr>
-          <p:spPr>
-            <a:xfrm>
-              <a:off x="3983391" y="1200321"/>
-              <a:ext cx="410246" cy="196488"/>
-            </a:xfrm>
-            <a:prstGeom prst="plaque">
-              <a:avLst/>
-            </a:prstGeom>
-            <a:solidFill>
-              <a:schemeClr val="accent4">
-                <a:lumMod val="60000"/>
-                <a:lumOff val="40000"/>
-              </a:schemeClr>
-            </a:solidFill>
-            <a:ln>
-              <a:noFill/>
-            </a:ln>
-          </p:spPr>
-          <p:style>
-            <a:lnRef idx="2">
-              <a:schemeClr val="accent1">
-                <a:shade val="50000"/>
-              </a:schemeClr>
-            </a:lnRef>
-            <a:fillRef idx="1">
-              <a:schemeClr val="accent1"/>
-            </a:fillRef>
-            <a:effectRef idx="0">
-              <a:schemeClr val="accent1"/>
-            </a:effectRef>
-            <a:fontRef idx="minor">
-              <a:schemeClr val="lt1"/>
-            </a:fontRef>
-          </p:style>
-          <p:txBody>
-            <a:bodyPr rtlCol="0" anchor="ctr"/>
-            <a:lstStyle/>
-            <a:p>
-              <a:pPr algn="ctr"/>
-              <a:endParaRPr lang="en-US"/>
-            </a:p>
-          </p:txBody>
-        </p:sp>
-        <p:sp>
-          <p:nvSpPr>
-            <p:cNvPr id="41" name="TextBox 40">
-              <a:extLst>
-                <a:ext uri="{FF2B5EF4-FFF2-40B4-BE49-F238E27FC236}">
-                  <a16:creationId xmlns:a16="http://schemas.microsoft.com/office/drawing/2014/main" id="{0BE7DFF2-C217-A27F-D032-AFDF8E893418}"/>
-                </a:ext>
-              </a:extLst>
-            </p:cNvPr>
-            <p:cNvSpPr txBox="1"/>
-            <p:nvPr/>
-          </p:nvSpPr>
-          <p:spPr>
-            <a:xfrm>
-              <a:off x="3858522" y="1175349"/>
-              <a:ext cx="648928" cy="221461"/>
-            </a:xfrm>
-            <a:prstGeom prst="rect">
-              <a:avLst/>
-            </a:prstGeom>
-            <a:noFill/>
-          </p:spPr>
-          <p:txBody>
-            <a:bodyPr wrap="square">
-              <a:spAutoFit/>
-            </a:bodyPr>
-            <a:lstStyle/>
-            <a:p>
-              <a:pPr algn="ctr"/>
-              <a:r>
-                <a:rPr lang="en-US" sz="800" b="1" dirty="0">
-                  <a:solidFill>
-                    <a:srgbClr val="7030A0"/>
-                  </a:solidFill>
-                </a:rPr>
-                <a:t>A tree from </a:t>
-              </a:r>
-            </a:p>
-            <a:p>
-              <a:pPr algn="ctr"/>
-              <a:r>
-                <a:rPr lang="en-US" sz="800" b="1" dirty="0">
-                  <a:solidFill>
-                    <a:srgbClr val="7030A0"/>
-                  </a:solidFill>
-                </a:rPr>
-                <a:t>the literature</a:t>
-              </a:r>
-            </a:p>
-          </p:txBody>
-        </p:sp>
-      </p:grpSp>
       <p:sp>
         <p:nvSpPr>
           <p:cNvPr id="73" name="Rectangle 72">
@@ -3825,7 +3196,7 @@
         </p:nvSpPr>
         <p:spPr>
           <a:xfrm>
-            <a:off x="3184992" y="9227"/>
+            <a:off x="3184992" y="40049"/>
             <a:ext cx="3645484" cy="1478773"/>
           </a:xfrm>
           <a:prstGeom prst="rect">
@@ -3877,7 +3248,7 @@
         </p:nvSpPr>
         <p:spPr>
           <a:xfrm>
-            <a:off x="176194" y="1706023"/>
+            <a:off x="52906" y="1716297"/>
             <a:ext cx="2834697" cy="4931084"/>
           </a:xfrm>
           <a:prstGeom prst="rect">
@@ -3929,7 +3300,7 @@
         </p:nvSpPr>
         <p:spPr>
           <a:xfrm>
-            <a:off x="878547" y="58980"/>
+            <a:off x="755259" y="58980"/>
             <a:ext cx="1432581" cy="347339"/>
           </a:xfrm>
           <a:prstGeom prst="rect">
@@ -3981,7 +3352,7 @@
         </p:nvSpPr>
         <p:spPr>
           <a:xfrm>
-            <a:off x="3444198" y="4619272"/>
+            <a:off x="3444198" y="4650094"/>
             <a:ext cx="3319797" cy="2029034"/>
           </a:xfrm>
           <a:prstGeom prst="roundRect">
@@ -4037,8 +3408,8 @@
         </p:nvCxnSpPr>
         <p:spPr>
           <a:xfrm flipH="1">
-            <a:off x="1593543" y="1214162"/>
-            <a:ext cx="1295" cy="491861"/>
+            <a:off x="1470255" y="1214162"/>
+            <a:ext cx="1295" cy="502135"/>
           </a:xfrm>
           <a:prstGeom prst="straightConnector1">
             <a:avLst/>
@@ -4083,8 +3454,8 @@
         </p:nvCxnSpPr>
         <p:spPr>
           <a:xfrm flipV="1">
-            <a:off x="3010891" y="2578523"/>
-            <a:ext cx="955583" cy="1593042"/>
+            <a:off x="2887603" y="2609345"/>
+            <a:ext cx="1078871" cy="1572494"/>
           </a:xfrm>
           <a:prstGeom prst="bentConnector3">
             <a:avLst>
@@ -4127,7 +3498,7 @@
         </p:nvSpPr>
         <p:spPr>
           <a:xfrm>
-            <a:off x="3966474" y="1791109"/>
+            <a:off x="3966474" y="1821931"/>
             <a:ext cx="2165989" cy="1574828"/>
           </a:xfrm>
           <a:prstGeom prst="rect">
@@ -4181,7 +3552,7 @@
         </p:nvCxnSpPr>
         <p:spPr>
           <a:xfrm>
-            <a:off x="5071289" y="4333652"/>
+            <a:off x="5071289" y="4364474"/>
             <a:ext cx="0" cy="285620"/>
           </a:xfrm>
           <a:prstGeom prst="straightConnector1">
@@ -4225,7 +3596,7 @@
         </p:nvCxnSpPr>
         <p:spPr>
           <a:xfrm>
-            <a:off x="5069725" y="1488000"/>
+            <a:off x="5069725" y="1518822"/>
             <a:ext cx="0" cy="303109"/>
           </a:xfrm>
           <a:prstGeom prst="straightConnector1">
@@ -4268,14 +3639,14 @@
           <p:nvPr/>
         </p:nvPicPr>
         <p:blipFill>
-          <a:blip r:embed="rId9"/>
+          <a:blip r:embed="rId6"/>
           <a:stretch>
             <a:fillRect/>
           </a:stretch>
         </p:blipFill>
         <p:spPr>
           <a:xfrm>
-            <a:off x="3666049" y="3582878"/>
+            <a:off x="3666049" y="3613700"/>
             <a:ext cx="2834698" cy="809913"/>
           </a:xfrm>
           <a:prstGeom prst="rect">
@@ -4300,7 +3671,7 @@
         </p:nvCxnSpPr>
         <p:spPr>
           <a:xfrm>
-            <a:off x="5054942" y="3365937"/>
+            <a:off x="5054942" y="3396759"/>
             <a:ext cx="0" cy="303109"/>
           </a:xfrm>
           <a:prstGeom prst="straightConnector1">
@@ -4342,7 +3713,7 @@
         </p:nvSpPr>
         <p:spPr>
           <a:xfrm>
-            <a:off x="3770735" y="3669046"/>
+            <a:off x="3770735" y="3699868"/>
             <a:ext cx="2568414" cy="644435"/>
           </a:xfrm>
           <a:prstGeom prst="rect">
@@ -4395,14 +3766,14 @@
           <p:nvPr/>
         </p:nvPicPr>
         <p:blipFill>
-          <a:blip r:embed="rId10"/>
+          <a:blip r:embed="rId7"/>
           <a:stretch>
             <a:fillRect/>
           </a:stretch>
         </p:blipFill>
         <p:spPr>
           <a:xfrm>
-            <a:off x="3891349" y="1683754"/>
+            <a:off x="3891349" y="1714576"/>
             <a:ext cx="2211008" cy="1768806"/>
           </a:xfrm>
           <a:prstGeom prst="rect">
@@ -4424,7 +3795,7 @@
         </p:nvSpPr>
         <p:spPr>
           <a:xfrm>
-            <a:off x="878547" y="866823"/>
+            <a:off x="755259" y="866823"/>
             <a:ext cx="1432581" cy="347339"/>
           </a:xfrm>
           <a:prstGeom prst="rect">
@@ -4480,7 +3851,7 @@
         </p:nvCxnSpPr>
         <p:spPr>
           <a:xfrm>
-            <a:off x="1594838" y="406319"/>
+            <a:off x="1471550" y="406319"/>
             <a:ext cx="0" cy="460504"/>
           </a:xfrm>
           <a:prstGeom prst="straightConnector1">
@@ -4523,10 +3894,10 @@
           <p:nvPr/>
         </p:nvPicPr>
         <p:blipFill rotWithShape="1">
-          <a:blip r:embed="rId11">
+          <a:blip r:embed="rId8">
             <a:extLst>
               <a:ext uri="{96DAC541-7B7A-43D3-8B79-37D633B846F1}">
-                <asvg:svgBlip xmlns:asvg="http://schemas.microsoft.com/office/drawing/2016/SVG/main" r:embed="rId12"/>
+                <asvg:svgBlip xmlns:asvg="http://schemas.microsoft.com/office/drawing/2016/SVG/main" r:embed="rId9"/>
               </a:ext>
             </a:extLst>
           </a:blip>
@@ -4535,7 +3906,7 @@
         </p:blipFill>
         <p:spPr>
           <a:xfrm>
-            <a:off x="4576124" y="0"/>
+            <a:off x="4576124" y="30822"/>
             <a:ext cx="2211008" cy="1478773"/>
           </a:xfrm>
           <a:prstGeom prst="rect">
@@ -4557,7 +3928,7 @@
         </p:nvGrpSpPr>
         <p:grpSpPr>
           <a:xfrm>
-            <a:off x="1206532" y="5106120"/>
+            <a:off x="1083244" y="5116394"/>
             <a:ext cx="1618259" cy="1284516"/>
             <a:chOff x="349831" y="5774256"/>
             <a:chExt cx="2128684" cy="1689674"/>
@@ -4644,7 +4015,7 @@
             <p:nvPr/>
           </p:nvPicPr>
           <p:blipFill>
-            <a:blip r:embed="rId13"/>
+            <a:blip r:embed="rId10"/>
             <a:stretch>
               <a:fillRect/>
             </a:stretch>
@@ -4674,7 +4045,7 @@
         </p:nvGrpSpPr>
         <p:grpSpPr>
           <a:xfrm>
-            <a:off x="734103" y="3466957"/>
+            <a:off x="610815" y="3477231"/>
             <a:ext cx="1632479" cy="1276829"/>
             <a:chOff x="2410265" y="2667117"/>
             <a:chExt cx="1002640" cy="784206"/>
@@ -4761,7 +4132,7 @@
             <p:nvPr/>
           </p:nvPicPr>
           <p:blipFill>
-            <a:blip r:embed="rId14"/>
+            <a:blip r:embed="rId11"/>
             <a:stretch>
               <a:fillRect/>
             </a:stretch>
@@ -4791,7 +4162,7 @@
         </p:nvGrpSpPr>
         <p:grpSpPr>
           <a:xfrm>
-            <a:off x="375173" y="2006421"/>
+            <a:off x="251885" y="2016695"/>
             <a:ext cx="1632478" cy="1107039"/>
             <a:chOff x="1338768" y="3030316"/>
             <a:chExt cx="997820" cy="676656"/>
@@ -4878,7 +4249,7 @@
             <p:nvPr/>
           </p:nvPicPr>
           <p:blipFill>
-            <a:blip r:embed="rId15"/>
+            <a:blip r:embed="rId12"/>
             <a:stretch>
               <a:fillRect/>
             </a:stretch>
@@ -4912,8 +4283,8 @@
         </p:nvCxnSpPr>
         <p:spPr>
           <a:xfrm flipV="1">
-            <a:off x="2311128" y="748614"/>
-            <a:ext cx="873864" cy="291879"/>
+            <a:off x="2187840" y="779436"/>
+            <a:ext cx="997152" cy="261057"/>
           </a:xfrm>
           <a:prstGeom prst="bentConnector3">
             <a:avLst>
@@ -4956,7 +4327,7 @@
         </p:nvSpPr>
         <p:spPr>
           <a:xfrm>
-            <a:off x="844229" y="82393"/>
+            <a:off x="720941" y="82393"/>
             <a:ext cx="304892" cy="276999"/>
           </a:xfrm>
           <a:prstGeom prst="rect">
@@ -4991,7 +4362,7 @@
         </p:nvSpPr>
         <p:spPr>
           <a:xfrm>
-            <a:off x="853227" y="881492"/>
+            <a:off x="729939" y="881492"/>
             <a:ext cx="311304" cy="276999"/>
           </a:xfrm>
           <a:prstGeom prst="rect">
@@ -5026,7 +4397,7 @@
         </p:nvSpPr>
         <p:spPr>
           <a:xfrm>
-            <a:off x="176194" y="1707279"/>
+            <a:off x="52906" y="1717553"/>
             <a:ext cx="296876" cy="276999"/>
           </a:xfrm>
           <a:prstGeom prst="rect">
@@ -5061,7 +4432,7 @@
         </p:nvSpPr>
         <p:spPr>
           <a:xfrm>
-            <a:off x="3140581" y="46634"/>
+            <a:off x="3140581" y="77456"/>
             <a:ext cx="311304" cy="276999"/>
           </a:xfrm>
           <a:prstGeom prst="rect">
@@ -5096,7 +4467,7 @@
         </p:nvSpPr>
         <p:spPr>
           <a:xfrm>
-            <a:off x="3893730" y="1773503"/>
+            <a:off x="3893730" y="1804325"/>
             <a:ext cx="308098" cy="276999"/>
           </a:xfrm>
           <a:prstGeom prst="rect">
@@ -5131,7 +4502,7 @@
         </p:nvSpPr>
         <p:spPr>
           <a:xfrm>
-            <a:off x="3729842" y="3643409"/>
+            <a:off x="3729842" y="3674231"/>
             <a:ext cx="279885" cy="276999"/>
           </a:xfrm>
           <a:prstGeom prst="rect">
@@ -5166,7 +4537,7 @@
         </p:nvSpPr>
         <p:spPr>
           <a:xfrm>
-            <a:off x="3575244" y="4654463"/>
+            <a:off x="3575244" y="4685285"/>
             <a:ext cx="303288" cy="276999"/>
           </a:xfrm>
           <a:prstGeom prst="rect">
@@ -5187,6 +4558,668 @@
           </a:p>
         </p:txBody>
       </p:sp>
+      <p:cxnSp>
+        <p:nvCxnSpPr>
+          <p:cNvPr id="2" name="Elbow Connector 1">
+            <a:extLst>
+              <a:ext uri="{FF2B5EF4-FFF2-40B4-BE49-F238E27FC236}">
+                <a16:creationId xmlns:a16="http://schemas.microsoft.com/office/drawing/2014/main" id="{C090E8CB-B7AC-97C5-6DBB-0E9F215CF96A}"/>
+              </a:ext>
+            </a:extLst>
+          </p:cNvPr>
+          <p:cNvCxnSpPr>
+            <a:cxnSpLocks/>
+          </p:cNvCxnSpPr>
+          <p:nvPr/>
+        </p:nvCxnSpPr>
+        <p:spPr>
+          <a:xfrm flipV="1">
+            <a:off x="2450725" y="1182959"/>
+            <a:ext cx="712156" cy="521720"/>
+          </a:xfrm>
+          <a:prstGeom prst="bentConnector3">
+            <a:avLst>
+              <a:gd name="adj1" fmla="val 2391"/>
+            </a:avLst>
+          </a:prstGeom>
+          <a:ln w="19050">
+            <a:solidFill>
+              <a:schemeClr val="tx1"/>
+            </a:solidFill>
+            <a:tailEnd type="arrow"/>
+          </a:ln>
+        </p:spPr>
+        <p:style>
+          <a:lnRef idx="1">
+            <a:schemeClr val="accent1"/>
+          </a:lnRef>
+          <a:fillRef idx="0">
+            <a:schemeClr val="accent1"/>
+          </a:fillRef>
+          <a:effectRef idx="0">
+            <a:schemeClr val="accent1"/>
+          </a:effectRef>
+          <a:fontRef idx="minor">
+            <a:schemeClr val="tx1"/>
+          </a:fontRef>
+        </p:style>
+      </p:cxnSp>
+      <p:grpSp>
+        <p:nvGrpSpPr>
+          <p:cNvPr id="3" name="Group 2">
+            <a:extLst>
+              <a:ext uri="{FF2B5EF4-FFF2-40B4-BE49-F238E27FC236}">
+                <a16:creationId xmlns:a16="http://schemas.microsoft.com/office/drawing/2014/main" id="{1D0D5C17-07FB-01F9-225B-38A449FB9977}"/>
+              </a:ext>
+            </a:extLst>
+          </p:cNvPr>
+          <p:cNvGrpSpPr/>
+          <p:nvPr/>
+        </p:nvGrpSpPr>
+        <p:grpSpPr>
+          <a:xfrm>
+            <a:off x="4054140" y="629110"/>
+            <a:ext cx="495297" cy="487448"/>
+            <a:chOff x="10386505" y="7974231"/>
+            <a:chExt cx="1706127" cy="1679086"/>
+          </a:xfrm>
+        </p:grpSpPr>
+        <p:sp>
+          <p:nvSpPr>
+            <p:cNvPr id="4" name="Oval 3">
+              <a:extLst>
+                <a:ext uri="{FF2B5EF4-FFF2-40B4-BE49-F238E27FC236}">
+                  <a16:creationId xmlns:a16="http://schemas.microsoft.com/office/drawing/2014/main" id="{0499843F-028B-D586-F4CC-6DDC39F7D1AC}"/>
+                </a:ext>
+              </a:extLst>
+            </p:cNvPr>
+            <p:cNvSpPr/>
+            <p:nvPr/>
+          </p:nvSpPr>
+          <p:spPr>
+            <a:xfrm>
+              <a:off x="10386505" y="7974231"/>
+              <a:ext cx="1706127" cy="1679086"/>
+            </a:xfrm>
+            <a:prstGeom prst="ellipse">
+              <a:avLst/>
+            </a:prstGeom>
+            <a:solidFill>
+              <a:srgbClr val="558997">
+                <a:alpha val="71000"/>
+              </a:srgbClr>
+            </a:solidFill>
+            <a:ln>
+              <a:noFill/>
+            </a:ln>
+          </p:spPr>
+          <p:style>
+            <a:lnRef idx="2">
+              <a:schemeClr val="accent1">
+                <a:shade val="50000"/>
+              </a:schemeClr>
+            </a:lnRef>
+            <a:fillRef idx="1">
+              <a:schemeClr val="accent1"/>
+            </a:fillRef>
+            <a:effectRef idx="0">
+              <a:schemeClr val="accent1"/>
+            </a:effectRef>
+            <a:fontRef idx="minor">
+              <a:schemeClr val="lt1"/>
+            </a:fontRef>
+          </p:style>
+          <p:txBody>
+            <a:bodyPr rtlCol="0" anchor="ctr"/>
+            <a:lstStyle/>
+            <a:p>
+              <a:pPr algn="ctr"/>
+              <a:endParaRPr lang="en-US" sz="406"/>
+            </a:p>
+          </p:txBody>
+        </p:sp>
+        <p:pic>
+          <p:nvPicPr>
+            <p:cNvPr id="5" name="Picture 2" descr="BOLD: Barcode of Life Data Systems | Centre for Biodiversity Genomics">
+              <a:extLst>
+                <a:ext uri="{FF2B5EF4-FFF2-40B4-BE49-F238E27FC236}">
+                  <a16:creationId xmlns:a16="http://schemas.microsoft.com/office/drawing/2014/main" id="{A3D50890-2EBC-BAA2-9161-3702D7CA62AF}"/>
+                </a:ext>
+              </a:extLst>
+            </p:cNvPr>
+            <p:cNvPicPr>
+              <a:picLocks noChangeAspect="1" noChangeArrowheads="1"/>
+            </p:cNvPicPr>
+            <p:nvPr/>
+          </p:nvPicPr>
+          <p:blipFill>
+            <a:blip r:embed="rId13">
+              <a:extLst>
+                <a:ext uri="{BEBA8EAE-BF5A-486C-A8C5-ECC9F3942E4B}">
+                  <a14:imgProps xmlns:a14="http://schemas.microsoft.com/office/drawing/2010/main">
+                    <a14:imgLayer r:embed="rId14">
+                      <a14:imgEffect>
+                        <a14:brightnessContrast contrast="-40000"/>
+                      </a14:imgEffect>
+                    </a14:imgLayer>
+                  </a14:imgProps>
+                </a:ext>
+                <a:ext uri="{28A0092B-C50C-407E-A947-70E740481C1C}">
+                  <a14:useLocalDpi xmlns:a14="http://schemas.microsoft.com/office/drawing/2010/main" val="0"/>
+                </a:ext>
+              </a:extLst>
+            </a:blip>
+            <a:srcRect/>
+            <a:stretch>
+              <a:fillRect/>
+            </a:stretch>
+          </p:blipFill>
+          <p:spPr bwMode="auto">
+            <a:xfrm>
+              <a:off x="10594348" y="8425714"/>
+              <a:ext cx="1272973" cy="779727"/>
+            </a:xfrm>
+            <a:prstGeom prst="rect">
+              <a:avLst/>
+            </a:prstGeom>
+            <a:noFill/>
+            <a:extLst>
+              <a:ext uri="{909E8E84-426E-40DD-AFC4-6F175D3DCCD1}">
+                <a14:hiddenFill xmlns:a14="http://schemas.microsoft.com/office/drawing/2010/main">
+                  <a:solidFill>
+                    <a:srgbClr val="FFFFFF"/>
+                  </a:solidFill>
+                </a14:hiddenFill>
+              </a:ext>
+            </a:extLst>
+          </p:spPr>
+        </p:pic>
+      </p:grpSp>
+      <p:grpSp>
+        <p:nvGrpSpPr>
+          <p:cNvPr id="6" name="Group 5">
+            <a:extLst>
+              <a:ext uri="{FF2B5EF4-FFF2-40B4-BE49-F238E27FC236}">
+                <a16:creationId xmlns:a16="http://schemas.microsoft.com/office/drawing/2014/main" id="{2E372305-17AB-93FC-B0E3-536E5B2C9D16}"/>
+              </a:ext>
+            </a:extLst>
+          </p:cNvPr>
+          <p:cNvGrpSpPr/>
+          <p:nvPr/>
+        </p:nvGrpSpPr>
+        <p:grpSpPr>
+          <a:xfrm>
+            <a:off x="4217564" y="89598"/>
+            <a:ext cx="614272" cy="443110"/>
+            <a:chOff x="4285124" y="1044781"/>
+            <a:chExt cx="468677" cy="338084"/>
+          </a:xfrm>
+        </p:grpSpPr>
+        <p:sp>
+          <p:nvSpPr>
+            <p:cNvPr id="8" name="Regular Pentagon 7">
+              <a:extLst>
+                <a:ext uri="{FF2B5EF4-FFF2-40B4-BE49-F238E27FC236}">
+                  <a16:creationId xmlns:a16="http://schemas.microsoft.com/office/drawing/2014/main" id="{262F5E12-B063-E5C6-0BB9-C222C48235B9}"/>
+                </a:ext>
+              </a:extLst>
+            </p:cNvPr>
+            <p:cNvSpPr/>
+            <p:nvPr/>
+          </p:nvSpPr>
+          <p:spPr>
+            <a:xfrm>
+              <a:off x="4312699" y="1044781"/>
+              <a:ext cx="392547" cy="338084"/>
+            </a:xfrm>
+            <a:prstGeom prst="pentagon">
+              <a:avLst/>
+            </a:prstGeom>
+            <a:solidFill>
+              <a:schemeClr val="accent5">
+                <a:lumMod val="60000"/>
+                <a:lumOff val="40000"/>
+              </a:schemeClr>
+            </a:solidFill>
+            <a:ln>
+              <a:noFill/>
+            </a:ln>
+          </p:spPr>
+          <p:style>
+            <a:lnRef idx="2">
+              <a:schemeClr val="accent1">
+                <a:shade val="50000"/>
+              </a:schemeClr>
+            </a:lnRef>
+            <a:fillRef idx="1">
+              <a:schemeClr val="accent1"/>
+            </a:fillRef>
+            <a:effectRef idx="0">
+              <a:schemeClr val="accent1"/>
+            </a:effectRef>
+            <a:fontRef idx="minor">
+              <a:schemeClr val="lt1"/>
+            </a:fontRef>
+          </p:style>
+          <p:txBody>
+            <a:bodyPr rtlCol="0" anchor="ctr"/>
+            <a:lstStyle/>
+            <a:p>
+              <a:pPr algn="ctr"/>
+              <a:endParaRPr lang="en-US"/>
+            </a:p>
+          </p:txBody>
+        </p:sp>
+        <p:sp>
+          <p:nvSpPr>
+            <p:cNvPr id="10" name="TextBox 9">
+              <a:extLst>
+                <a:ext uri="{FF2B5EF4-FFF2-40B4-BE49-F238E27FC236}">
+                  <a16:creationId xmlns:a16="http://schemas.microsoft.com/office/drawing/2014/main" id="{3611F461-1BA3-BAAF-22A2-E27D707370DD}"/>
+                </a:ext>
+              </a:extLst>
+            </p:cNvPr>
+            <p:cNvSpPr txBox="1"/>
+            <p:nvPr/>
+          </p:nvSpPr>
+          <p:spPr>
+            <a:xfrm>
+              <a:off x="4285124" y="1117736"/>
+              <a:ext cx="468677" cy="258310"/>
+            </a:xfrm>
+            <a:prstGeom prst="rect">
+              <a:avLst/>
+            </a:prstGeom>
+            <a:noFill/>
+          </p:spPr>
+          <p:txBody>
+            <a:bodyPr wrap="none" rtlCol="0">
+              <a:spAutoFit/>
+            </a:bodyPr>
+            <a:lstStyle/>
+            <a:p>
+              <a:pPr algn="ctr"/>
+              <a:r>
+                <a:rPr lang="en-US" sz="800" b="1" dirty="0">
+                  <a:solidFill>
+                    <a:srgbClr val="C00000"/>
+                  </a:solidFill>
+                </a:rPr>
+                <a:t>Your own </a:t>
+              </a:r>
+            </a:p>
+            <a:p>
+              <a:pPr algn="ctr"/>
+              <a:r>
+                <a:rPr lang="en-US" sz="800" b="1" dirty="0">
+                  <a:solidFill>
+                    <a:srgbClr val="C00000"/>
+                  </a:solidFill>
+                </a:rPr>
+                <a:t>tree</a:t>
+              </a:r>
+            </a:p>
+          </p:txBody>
+        </p:sp>
+      </p:grpSp>
+      <p:grpSp>
+        <p:nvGrpSpPr>
+          <p:cNvPr id="11" name="Group 10">
+            <a:extLst>
+              <a:ext uri="{FF2B5EF4-FFF2-40B4-BE49-F238E27FC236}">
+                <a16:creationId xmlns:a16="http://schemas.microsoft.com/office/drawing/2014/main" id="{1EBF131F-C3CB-36FE-5945-A2A5D099939A}"/>
+              </a:ext>
+            </a:extLst>
+          </p:cNvPr>
+          <p:cNvGrpSpPr/>
+          <p:nvPr/>
+        </p:nvGrpSpPr>
+        <p:grpSpPr>
+          <a:xfrm>
+            <a:off x="3113975" y="1074409"/>
+            <a:ext cx="1163318" cy="363571"/>
+            <a:chOff x="3939008" y="1202261"/>
+            <a:chExt cx="682002" cy="209008"/>
+          </a:xfrm>
+        </p:grpSpPr>
+        <p:sp>
+          <p:nvSpPr>
+            <p:cNvPr id="12" name="Snip Diagonal Corner Rectangle 11">
+              <a:extLst>
+                <a:ext uri="{FF2B5EF4-FFF2-40B4-BE49-F238E27FC236}">
+                  <a16:creationId xmlns:a16="http://schemas.microsoft.com/office/drawing/2014/main" id="{86375A07-8025-2F3C-4AAD-33F48E23D01D}"/>
+                </a:ext>
+              </a:extLst>
+            </p:cNvPr>
+            <p:cNvSpPr/>
+            <p:nvPr/>
+          </p:nvSpPr>
+          <p:spPr>
+            <a:xfrm>
+              <a:off x="4019895" y="1205792"/>
+              <a:ext cx="516805" cy="205477"/>
+            </a:xfrm>
+            <a:prstGeom prst="snip2DiagRect">
+              <a:avLst/>
+            </a:prstGeom>
+            <a:solidFill>
+              <a:srgbClr val="E6ADFF"/>
+            </a:solidFill>
+            <a:ln>
+              <a:noFill/>
+            </a:ln>
+          </p:spPr>
+          <p:style>
+            <a:lnRef idx="2">
+              <a:schemeClr val="accent1">
+                <a:shade val="50000"/>
+              </a:schemeClr>
+            </a:lnRef>
+            <a:fillRef idx="1">
+              <a:schemeClr val="accent1"/>
+            </a:fillRef>
+            <a:effectRef idx="0">
+              <a:schemeClr val="accent1"/>
+            </a:effectRef>
+            <a:fontRef idx="minor">
+              <a:schemeClr val="lt1"/>
+            </a:fontRef>
+          </p:style>
+          <p:txBody>
+            <a:bodyPr rtlCol="0" anchor="ctr"/>
+            <a:lstStyle/>
+            <a:p>
+              <a:pPr algn="ctr"/>
+              <a:endParaRPr lang="en-US"/>
+            </a:p>
+          </p:txBody>
+        </p:sp>
+        <p:sp>
+          <p:nvSpPr>
+            <p:cNvPr id="13" name="TextBox 12">
+              <a:extLst>
+                <a:ext uri="{FF2B5EF4-FFF2-40B4-BE49-F238E27FC236}">
+                  <a16:creationId xmlns:a16="http://schemas.microsoft.com/office/drawing/2014/main" id="{E21918BD-CF3A-FA0D-258F-F8353C11C2A5}"/>
+                </a:ext>
+              </a:extLst>
+            </p:cNvPr>
+            <p:cNvSpPr txBox="1"/>
+            <p:nvPr/>
+          </p:nvSpPr>
+          <p:spPr>
+            <a:xfrm>
+              <a:off x="3939008" y="1202261"/>
+              <a:ext cx="682002" cy="194626"/>
+            </a:xfrm>
+            <a:prstGeom prst="rect">
+              <a:avLst/>
+            </a:prstGeom>
+            <a:noFill/>
+          </p:spPr>
+          <p:txBody>
+            <a:bodyPr wrap="square">
+              <a:spAutoFit/>
+            </a:bodyPr>
+            <a:lstStyle/>
+            <a:p>
+              <a:pPr algn="ctr"/>
+              <a:r>
+                <a:rPr lang="en-US" sz="800" b="1" dirty="0">
+                  <a:solidFill>
+                    <a:schemeClr val="accent6">
+                      <a:lumMod val="75000"/>
+                    </a:schemeClr>
+                  </a:solidFill>
+                </a:rPr>
+                <a:t>The largest source </a:t>
+              </a:r>
+            </a:p>
+            <a:p>
+              <a:pPr algn="ctr"/>
+              <a:r>
+                <a:rPr lang="en-US" sz="800" b="1" dirty="0">
+                  <a:solidFill>
+                    <a:schemeClr val="accent6">
+                      <a:lumMod val="75000"/>
+                    </a:schemeClr>
+                  </a:solidFill>
+                </a:rPr>
+                <a:t>chronogram</a:t>
+              </a:r>
+            </a:p>
+          </p:txBody>
+        </p:sp>
+      </p:grpSp>
+      <p:grpSp>
+        <p:nvGrpSpPr>
+          <p:cNvPr id="14" name="Group 13">
+            <a:extLst>
+              <a:ext uri="{FF2B5EF4-FFF2-40B4-BE49-F238E27FC236}">
+                <a16:creationId xmlns:a16="http://schemas.microsoft.com/office/drawing/2014/main" id="{E9C4ED99-8D7B-E282-BDED-EF78EB126D4F}"/>
+              </a:ext>
+            </a:extLst>
+          </p:cNvPr>
+          <p:cNvGrpSpPr/>
+          <p:nvPr/>
+        </p:nvGrpSpPr>
+        <p:grpSpPr>
+          <a:xfrm>
+            <a:off x="3290213" y="597619"/>
+            <a:ext cx="641593" cy="361894"/>
+            <a:chOff x="5112258" y="655789"/>
+            <a:chExt cx="596323" cy="336359"/>
+          </a:xfrm>
+        </p:grpSpPr>
+        <p:sp>
+          <p:nvSpPr>
+            <p:cNvPr id="15" name="Rounded Rectangle 14">
+              <a:extLst>
+                <a:ext uri="{FF2B5EF4-FFF2-40B4-BE49-F238E27FC236}">
+                  <a16:creationId xmlns:a16="http://schemas.microsoft.com/office/drawing/2014/main" id="{3DF1C382-F090-5143-8800-D645809A632A}"/>
+                </a:ext>
+              </a:extLst>
+            </p:cNvPr>
+            <p:cNvSpPr/>
+            <p:nvPr/>
+          </p:nvSpPr>
+          <p:spPr>
+            <a:xfrm>
+              <a:off x="5112258" y="655789"/>
+              <a:ext cx="596323" cy="336359"/>
+            </a:xfrm>
+            <a:prstGeom prst="roundRect">
+              <a:avLst/>
+            </a:prstGeom>
+            <a:solidFill>
+              <a:srgbClr val="4698AE"/>
+            </a:solidFill>
+            <a:ln>
+              <a:noFill/>
+            </a:ln>
+          </p:spPr>
+          <p:style>
+            <a:lnRef idx="2">
+              <a:schemeClr val="accent1">
+                <a:shade val="50000"/>
+              </a:schemeClr>
+            </a:lnRef>
+            <a:fillRef idx="1">
+              <a:schemeClr val="accent1"/>
+            </a:fillRef>
+            <a:effectRef idx="0">
+              <a:schemeClr val="accent1"/>
+            </a:effectRef>
+            <a:fontRef idx="minor">
+              <a:schemeClr val="lt1"/>
+            </a:fontRef>
+          </p:style>
+          <p:txBody>
+            <a:bodyPr rtlCol="0" anchor="ctr"/>
+            <a:lstStyle/>
+            <a:p>
+              <a:pPr algn="ctr"/>
+              <a:endParaRPr lang="en-US"/>
+            </a:p>
+          </p:txBody>
+        </p:sp>
+        <p:pic>
+          <p:nvPicPr>
+            <p:cNvPr id="16" name="Picture 15">
+              <a:extLst>
+                <a:ext uri="{FF2B5EF4-FFF2-40B4-BE49-F238E27FC236}">
+                  <a16:creationId xmlns:a16="http://schemas.microsoft.com/office/drawing/2014/main" id="{CF3DD532-CFF8-6721-F9B2-A1A7DFDA3535}"/>
+                </a:ext>
+              </a:extLst>
+            </p:cNvPr>
+            <p:cNvPicPr>
+              <a:picLocks noChangeAspect="1"/>
+            </p:cNvPicPr>
+            <p:nvPr/>
+          </p:nvPicPr>
+          <p:blipFill>
+            <a:blip r:embed="rId15"/>
+            <a:stretch>
+              <a:fillRect/>
+            </a:stretch>
+          </p:blipFill>
+          <p:spPr>
+            <a:xfrm>
+              <a:off x="5148194" y="698937"/>
+              <a:ext cx="475906" cy="227494"/>
+            </a:xfrm>
+            <a:prstGeom prst="rect">
+              <a:avLst/>
+            </a:prstGeom>
+          </p:spPr>
+        </p:pic>
+      </p:grpSp>
+      <p:grpSp>
+        <p:nvGrpSpPr>
+          <p:cNvPr id="17" name="Group 16">
+            <a:extLst>
+              <a:ext uri="{FF2B5EF4-FFF2-40B4-BE49-F238E27FC236}">
+                <a16:creationId xmlns:a16="http://schemas.microsoft.com/office/drawing/2014/main" id="{379C8538-2831-7177-08CE-C60A5C5CC9B6}"/>
+              </a:ext>
+            </a:extLst>
+          </p:cNvPr>
+          <p:cNvGrpSpPr/>
+          <p:nvPr/>
+        </p:nvGrpSpPr>
+        <p:grpSpPr>
+          <a:xfrm>
+            <a:off x="3274313" y="151111"/>
+            <a:ext cx="1054892" cy="338554"/>
+            <a:chOff x="3858522" y="1175349"/>
+            <a:chExt cx="648928" cy="221461"/>
+          </a:xfrm>
+        </p:grpSpPr>
+        <p:sp>
+          <p:nvSpPr>
+            <p:cNvPr id="18" name="Plaque 17">
+              <a:extLst>
+                <a:ext uri="{FF2B5EF4-FFF2-40B4-BE49-F238E27FC236}">
+                  <a16:creationId xmlns:a16="http://schemas.microsoft.com/office/drawing/2014/main" id="{ED4D8598-4A94-EAA7-481C-95540B5DE1C5}"/>
+                </a:ext>
+              </a:extLst>
+            </p:cNvPr>
+            <p:cNvSpPr/>
+            <p:nvPr/>
+          </p:nvSpPr>
+          <p:spPr>
+            <a:xfrm>
+              <a:off x="3983391" y="1200321"/>
+              <a:ext cx="410246" cy="196488"/>
+            </a:xfrm>
+            <a:prstGeom prst="plaque">
+              <a:avLst/>
+            </a:prstGeom>
+            <a:solidFill>
+              <a:schemeClr val="accent4">
+                <a:lumMod val="60000"/>
+                <a:lumOff val="40000"/>
+              </a:schemeClr>
+            </a:solidFill>
+            <a:ln>
+              <a:noFill/>
+            </a:ln>
+          </p:spPr>
+          <p:style>
+            <a:lnRef idx="2">
+              <a:schemeClr val="accent1">
+                <a:shade val="50000"/>
+              </a:schemeClr>
+            </a:lnRef>
+            <a:fillRef idx="1">
+              <a:schemeClr val="accent1"/>
+            </a:fillRef>
+            <a:effectRef idx="0">
+              <a:schemeClr val="accent1"/>
+            </a:effectRef>
+            <a:fontRef idx="minor">
+              <a:schemeClr val="lt1"/>
+            </a:fontRef>
+          </p:style>
+          <p:txBody>
+            <a:bodyPr rtlCol="0" anchor="ctr"/>
+            <a:lstStyle/>
+            <a:p>
+              <a:pPr algn="ctr"/>
+              <a:endParaRPr lang="en-US"/>
+            </a:p>
+          </p:txBody>
+        </p:sp>
+        <p:sp>
+          <p:nvSpPr>
+            <p:cNvPr id="19" name="TextBox 18">
+              <a:extLst>
+                <a:ext uri="{FF2B5EF4-FFF2-40B4-BE49-F238E27FC236}">
+                  <a16:creationId xmlns:a16="http://schemas.microsoft.com/office/drawing/2014/main" id="{67A8908F-3137-9EED-62E2-D848FC0F7C13}"/>
+                </a:ext>
+              </a:extLst>
+            </p:cNvPr>
+            <p:cNvSpPr txBox="1"/>
+            <p:nvPr/>
+          </p:nvSpPr>
+          <p:spPr>
+            <a:xfrm>
+              <a:off x="3858522" y="1175349"/>
+              <a:ext cx="648928" cy="221461"/>
+            </a:xfrm>
+            <a:prstGeom prst="rect">
+              <a:avLst/>
+            </a:prstGeom>
+            <a:noFill/>
+          </p:spPr>
+          <p:txBody>
+            <a:bodyPr wrap="square">
+              <a:spAutoFit/>
+            </a:bodyPr>
+            <a:lstStyle/>
+            <a:p>
+              <a:pPr algn="ctr"/>
+              <a:r>
+                <a:rPr lang="en-US" sz="800" b="1" dirty="0">
+                  <a:solidFill>
+                    <a:srgbClr val="7030A0"/>
+                  </a:solidFill>
+                </a:rPr>
+                <a:t>A tree from </a:t>
+              </a:r>
+            </a:p>
+            <a:p>
+              <a:pPr algn="ctr"/>
+              <a:r>
+                <a:rPr lang="en-US" sz="800" b="1" dirty="0">
+                  <a:solidFill>
+                    <a:srgbClr val="7030A0"/>
+                  </a:solidFill>
+                </a:rPr>
+                <a:t>the literature</a:t>
+              </a:r>
+            </a:p>
+          </p:txBody>
+        </p:sp>
+      </p:grpSp>
     </p:spTree>
     <p:extLst>
       <p:ext uri="{BB962C8B-B14F-4D97-AF65-F5344CB8AC3E}">

--- a/figures/figure-workflow/figure1-new-cycle-vertical-no-bg.pptx
+++ b/figures/figure-workflow/figure1-new-cycle-vertical-no-bg.pptx
@@ -254,7 +254,7 @@
           <a:p>
             <a:fld id="{B4970447-8C83-B347-8B06-AB59AEB01EEB}" type="datetimeFigureOut">
               <a:rPr lang="en-US" smtClean="0"/>
-              <a:t>8/10/23</a:t>
+              <a:t>8/14/23</a:t>
             </a:fld>
             <a:endParaRPr lang="en-US"/>
           </a:p>
@@ -424,7 +424,7 @@
           <a:p>
             <a:fld id="{B4970447-8C83-B347-8B06-AB59AEB01EEB}" type="datetimeFigureOut">
               <a:rPr lang="en-US" smtClean="0"/>
-              <a:t>8/10/23</a:t>
+              <a:t>8/14/23</a:t>
             </a:fld>
             <a:endParaRPr lang="en-US"/>
           </a:p>
@@ -604,7 +604,7 @@
           <a:p>
             <a:fld id="{B4970447-8C83-B347-8B06-AB59AEB01EEB}" type="datetimeFigureOut">
               <a:rPr lang="en-US" smtClean="0"/>
-              <a:t>8/10/23</a:t>
+              <a:t>8/14/23</a:t>
             </a:fld>
             <a:endParaRPr lang="en-US"/>
           </a:p>
@@ -774,7 +774,7 @@
           <a:p>
             <a:fld id="{B4970447-8C83-B347-8B06-AB59AEB01EEB}" type="datetimeFigureOut">
               <a:rPr lang="en-US" smtClean="0"/>
-              <a:t>8/10/23</a:t>
+              <a:t>8/14/23</a:t>
             </a:fld>
             <a:endParaRPr lang="en-US"/>
           </a:p>
@@ -1018,7 +1018,7 @@
           <a:p>
             <a:fld id="{B4970447-8C83-B347-8B06-AB59AEB01EEB}" type="datetimeFigureOut">
               <a:rPr lang="en-US" smtClean="0"/>
-              <a:t>8/10/23</a:t>
+              <a:t>8/14/23</a:t>
             </a:fld>
             <a:endParaRPr lang="en-US"/>
           </a:p>
@@ -1250,7 +1250,7 @@
           <a:p>
             <a:fld id="{B4970447-8C83-B347-8B06-AB59AEB01EEB}" type="datetimeFigureOut">
               <a:rPr lang="en-US" smtClean="0"/>
-              <a:t>8/10/23</a:t>
+              <a:t>8/14/23</a:t>
             </a:fld>
             <a:endParaRPr lang="en-US"/>
           </a:p>
@@ -1617,7 +1617,7 @@
           <a:p>
             <a:fld id="{B4970447-8C83-B347-8B06-AB59AEB01EEB}" type="datetimeFigureOut">
               <a:rPr lang="en-US" smtClean="0"/>
-              <a:t>8/10/23</a:t>
+              <a:t>8/14/23</a:t>
             </a:fld>
             <a:endParaRPr lang="en-US"/>
           </a:p>
@@ -1735,7 +1735,7 @@
           <a:p>
             <a:fld id="{B4970447-8C83-B347-8B06-AB59AEB01EEB}" type="datetimeFigureOut">
               <a:rPr lang="en-US" smtClean="0"/>
-              <a:t>8/10/23</a:t>
+              <a:t>8/14/23</a:t>
             </a:fld>
             <a:endParaRPr lang="en-US"/>
           </a:p>
@@ -1830,7 +1830,7 @@
           <a:p>
             <a:fld id="{B4970447-8C83-B347-8B06-AB59AEB01EEB}" type="datetimeFigureOut">
               <a:rPr lang="en-US" smtClean="0"/>
-              <a:t>8/10/23</a:t>
+              <a:t>8/14/23</a:t>
             </a:fld>
             <a:endParaRPr lang="en-US"/>
           </a:p>
@@ -2107,7 +2107,7 @@
           <a:p>
             <a:fld id="{B4970447-8C83-B347-8B06-AB59AEB01EEB}" type="datetimeFigureOut">
               <a:rPr lang="en-US" smtClean="0"/>
-              <a:t>8/10/23</a:t>
+              <a:t>8/14/23</a:t>
             </a:fld>
             <a:endParaRPr lang="en-US"/>
           </a:p>
@@ -2364,7 +2364,7 @@
           <a:p>
             <a:fld id="{B4970447-8C83-B347-8B06-AB59AEB01EEB}" type="datetimeFigureOut">
               <a:rPr lang="en-US" smtClean="0"/>
-              <a:t>8/10/23</a:t>
+              <a:t>8/14/23</a:t>
             </a:fld>
             <a:endParaRPr lang="en-US"/>
           </a:p>
@@ -2577,7 +2577,7 @@
           <a:p>
             <a:fld id="{B4970447-8C83-B347-8B06-AB59AEB01EEB}" type="datetimeFigureOut">
               <a:rPr lang="en-US" smtClean="0"/>
-              <a:t>8/10/23</a:t>
+              <a:t>8/14/23</a:t>
             </a:fld>
             <a:endParaRPr lang="en-US"/>
           </a:p>
@@ -2982,6 +2982,36 @@
           <a:chExt cx="0" cy="0"/>
         </a:xfrm>
       </p:grpSpPr>
+      <p:pic>
+        <p:nvPicPr>
+          <p:cNvPr id="26" name="Picture 25">
+            <a:extLst>
+              <a:ext uri="{FF2B5EF4-FFF2-40B4-BE49-F238E27FC236}">
+                <a16:creationId xmlns:a16="http://schemas.microsoft.com/office/drawing/2014/main" id="{09F69E37-D5AF-8F57-40C1-27A7D3820794}"/>
+              </a:ext>
+            </a:extLst>
+          </p:cNvPr>
+          <p:cNvPicPr>
+            <a:picLocks noChangeAspect="1"/>
+          </p:cNvPicPr>
+          <p:nvPr/>
+        </p:nvPicPr>
+        <p:blipFill>
+          <a:blip r:embed="rId2"/>
+          <a:stretch>
+            <a:fillRect/>
+          </a:stretch>
+        </p:blipFill>
+        <p:spPr>
+          <a:xfrm>
+            <a:off x="3845307" y="1607955"/>
+            <a:ext cx="2449560" cy="1959648"/>
+          </a:xfrm>
+          <a:prstGeom prst="rect">
+            <a:avLst/>
+          </a:prstGeom>
+        </p:spPr>
+      </p:pic>
       <p:grpSp>
         <p:nvGrpSpPr>
           <p:cNvPr id="52" name="Group 51">
@@ -2996,10 +3026,10 @@
         </p:nvGrpSpPr>
         <p:grpSpPr>
           <a:xfrm>
-            <a:off x="3100927" y="4371509"/>
-            <a:ext cx="3818868" cy="2249488"/>
-            <a:chOff x="3992090" y="5418408"/>
-            <a:chExt cx="3291840" cy="1939044"/>
+            <a:off x="2765272" y="4650093"/>
+            <a:ext cx="4164148" cy="2141748"/>
+            <a:chOff x="3992090" y="5664358"/>
+            <a:chExt cx="3291840" cy="1693094"/>
           </a:xfrm>
         </p:grpSpPr>
         <p:pic>
@@ -3017,10 +3047,10 @@
             <p:nvPr/>
           </p:nvPicPr>
           <p:blipFill rotWithShape="1">
-            <a:blip r:embed="rId2">
+            <a:blip r:embed="rId3">
               <a:extLst>
                 <a:ext uri="{96DAC541-7B7A-43D3-8B79-37D633B846F1}">
-                  <asvg:svgBlip xmlns:asvg="http://schemas.microsoft.com/office/drawing/2016/SVG/main" r:embed="rId3"/>
+                  <asvg:svgBlip xmlns:asvg="http://schemas.microsoft.com/office/drawing/2016/SVG/main" r:embed="rId4"/>
                 </a:ext>
               </a:extLst>
             </a:blip>
@@ -3052,20 +3082,20 @@
             <p:nvPr/>
           </p:nvPicPr>
           <p:blipFill rotWithShape="1">
-            <a:blip r:embed="rId4">
+            <a:blip r:embed="rId5">
               <a:extLst>
                 <a:ext uri="{96DAC541-7B7A-43D3-8B79-37D633B846F1}">
-                  <asvg:svgBlip xmlns:asvg="http://schemas.microsoft.com/office/drawing/2016/SVG/main" r:embed="rId5"/>
+                  <asvg:svgBlip xmlns:asvg="http://schemas.microsoft.com/office/drawing/2016/SVG/main" r:embed="rId6"/>
                 </a:ext>
               </a:extLst>
             </a:blip>
-            <a:srcRect b="23570"/>
+            <a:srcRect t="12594" b="23570"/>
             <a:stretch/>
           </p:blipFill>
           <p:spPr>
             <a:xfrm>
-              <a:off x="3992090" y="5418408"/>
-              <a:ext cx="3291840" cy="1677313"/>
+              <a:off x="3992090" y="5664358"/>
+              <a:ext cx="3291840" cy="1400926"/>
             </a:xfrm>
             <a:prstGeom prst="rect">
               <a:avLst/>
@@ -3075,119 +3105,10 @@
       </p:grpSp>
       <p:sp>
         <p:nvSpPr>
-          <p:cNvPr id="7" name="TextBox 6">
+          <p:cNvPr id="51" name="Block Arc 50">
             <a:extLst>
               <a:ext uri="{FF2B5EF4-FFF2-40B4-BE49-F238E27FC236}">
-                <a16:creationId xmlns:a16="http://schemas.microsoft.com/office/drawing/2014/main" id="{FDC551D3-F427-6C58-0DA7-284C71FE2912}"/>
-              </a:ext>
-            </a:extLst>
-          </p:cNvPr>
-          <p:cNvSpPr txBox="1"/>
-          <p:nvPr/>
-        </p:nvSpPr>
-        <p:spPr>
-          <a:xfrm>
-            <a:off x="818334" y="104109"/>
-            <a:ext cx="1283100" cy="246221"/>
-          </a:xfrm>
-          <a:prstGeom prst="rect">
-            <a:avLst/>
-          </a:prstGeom>
-          <a:noFill/>
-        </p:spPr>
-        <p:txBody>
-          <a:bodyPr wrap="square" rtlCol="0">
-            <a:spAutoFit/>
-          </a:bodyPr>
-          <a:lstStyle/>
-          <a:p>
-            <a:pPr algn="ctr"/>
-            <a:r>
-              <a:rPr lang="en-US" sz="1000" b="1" i="1" dirty="0"/>
-              <a:t>a, B</a:t>
-            </a:r>
-            <a:r>
-              <a:rPr lang="en-US" sz="1000" b="1" i="1" baseline="-25000" dirty="0"/>
-              <a:t>1 </a:t>
-            </a:r>
-            <a:r>
-              <a:rPr lang="en-US" sz="1000" i="1" dirty="0"/>
-              <a:t>, C, D,</a:t>
-            </a:r>
-            <a:r>
-              <a:rPr lang="en-US" sz="1000" b="1" i="1" dirty="0"/>
-              <a:t> </a:t>
-            </a:r>
-            <a:r>
-              <a:rPr lang="en-US" sz="1000" b="1" i="1" dirty="0" err="1"/>
-              <a:t>Ee</a:t>
-            </a:r>
-            <a:r>
-              <a:rPr lang="en-US" sz="1000" b="1" i="1" dirty="0"/>
-              <a:t>, </a:t>
-            </a:r>
-            <a:r>
-              <a:rPr lang="en-US" sz="1000" b="1" i="1" dirty="0" err="1"/>
-              <a:t>F</a:t>
-            </a:r>
-            <a:r>
-              <a:rPr lang="en-US" sz="1000" b="1" i="1" baseline="-25000" dirty="0" err="1"/>
-              <a:t>x</a:t>
-            </a:r>
-            <a:endParaRPr lang="en-US" sz="1000" b="1" i="1" baseline="-25000" dirty="0"/>
-          </a:p>
-        </p:txBody>
-      </p:sp>
-      <p:sp>
-        <p:nvSpPr>
-          <p:cNvPr id="9" name="TextBox 8">
-            <a:extLst>
-              <a:ext uri="{FF2B5EF4-FFF2-40B4-BE49-F238E27FC236}">
-                <a16:creationId xmlns:a16="http://schemas.microsoft.com/office/drawing/2014/main" id="{AB92637B-8D15-E7CF-A8CD-71FA869BB132}"/>
-              </a:ext>
-            </a:extLst>
-          </p:cNvPr>
-          <p:cNvSpPr txBox="1"/>
-          <p:nvPr/>
-        </p:nvSpPr>
-        <p:spPr>
-          <a:xfrm>
-            <a:off x="818335" y="917384"/>
-            <a:ext cx="1283100" cy="246221"/>
-          </a:xfrm>
-          <a:prstGeom prst="rect">
-            <a:avLst/>
-          </a:prstGeom>
-          <a:noFill/>
-        </p:spPr>
-        <p:txBody>
-          <a:bodyPr wrap="square" rtlCol="0">
-            <a:spAutoFit/>
-          </a:bodyPr>
-          <a:lstStyle/>
-          <a:p>
-            <a:pPr algn="ctr"/>
-            <a:r>
-              <a:rPr lang="en-US" sz="1000" b="1" i="1" dirty="0"/>
-              <a:t>A, B, </a:t>
-            </a:r>
-            <a:r>
-              <a:rPr lang="en-US" sz="1000" i="1" dirty="0"/>
-              <a:t>C, D, </a:t>
-            </a:r>
-            <a:r>
-              <a:rPr lang="en-US" sz="1000" b="1" i="1" dirty="0"/>
-              <a:t>E, F</a:t>
-            </a:r>
-          </a:p>
-        </p:txBody>
-      </p:sp>
-      <p:sp>
-        <p:nvSpPr>
-          <p:cNvPr id="73" name="Rectangle 72">
-            <a:extLst>
-              <a:ext uri="{FF2B5EF4-FFF2-40B4-BE49-F238E27FC236}">
-                <a16:creationId xmlns:a16="http://schemas.microsoft.com/office/drawing/2014/main" id="{90A725AA-3622-1D85-A8FA-5435CD9F38D7}"/>
+                <a16:creationId xmlns:a16="http://schemas.microsoft.com/office/drawing/2014/main" id="{7987C7BD-C367-32BE-06C9-E6869CF8FD1C}"/>
               </a:ext>
             </a:extLst>
           </p:cNvPr>
@@ -3195,18 +3116,18 @@
           <p:nvPr/>
         </p:nvSpPr>
         <p:spPr>
-          <a:xfrm>
-            <a:off x="3184992" y="40049"/>
-            <a:ext cx="3645484" cy="1478773"/>
-          </a:xfrm>
-          <a:prstGeom prst="rect">
+          <a:xfrm rot="13161762">
+            <a:off x="3178366" y="6556003"/>
+            <a:ext cx="402193" cy="202310"/>
+          </a:xfrm>
+          <a:prstGeom prst="blockArc">
             <a:avLst/>
           </a:prstGeom>
-          <a:noFill/>
-          <a:ln w="19050">
-            <a:solidFill>
-              <a:schemeClr val="tx1"/>
-            </a:solidFill>
+          <a:solidFill>
+            <a:schemeClr val="bg1"/>
+          </a:solidFill>
+          <a:ln>
+            <a:noFill/>
           </a:ln>
         </p:spPr>
         <p:style>
@@ -3230,16 +3151,129 @@
           <a:lstStyle/>
           <a:p>
             <a:pPr algn="ctr"/>
-            <a:endParaRPr lang="en-US"/>
-          </a:p>
-        </p:txBody>
-      </p:sp>
-      <p:sp>
-        <p:nvSpPr>
-          <p:cNvPr id="74" name="Rectangle 73">
+            <a:endParaRPr lang="en-US">
+              <a:solidFill>
+                <a:schemeClr val="tx1"/>
+              </a:solidFill>
+            </a:endParaRPr>
+          </a:p>
+        </p:txBody>
+      </p:sp>
+      <p:sp>
+        <p:nvSpPr>
+          <p:cNvPr id="7" name="TextBox 6">
             <a:extLst>
               <a:ext uri="{FF2B5EF4-FFF2-40B4-BE49-F238E27FC236}">
-                <a16:creationId xmlns:a16="http://schemas.microsoft.com/office/drawing/2014/main" id="{75547A15-F9B7-A8C0-50AE-E7A1CB9DACBE}"/>
+                <a16:creationId xmlns:a16="http://schemas.microsoft.com/office/drawing/2014/main" id="{FDC551D3-F427-6C58-0DA7-284C71FE2912}"/>
+              </a:ext>
+            </a:extLst>
+          </p:cNvPr>
+          <p:cNvSpPr txBox="1"/>
+          <p:nvPr/>
+        </p:nvSpPr>
+        <p:spPr>
+          <a:xfrm>
+            <a:off x="818334" y="104109"/>
+            <a:ext cx="1283100" cy="246221"/>
+          </a:xfrm>
+          <a:prstGeom prst="rect">
+            <a:avLst/>
+          </a:prstGeom>
+          <a:noFill/>
+        </p:spPr>
+        <p:txBody>
+          <a:bodyPr wrap="square" rtlCol="0">
+            <a:spAutoFit/>
+          </a:bodyPr>
+          <a:lstStyle/>
+          <a:p>
+            <a:pPr algn="ctr"/>
+            <a:r>
+              <a:rPr lang="en-US" sz="1000" b="1" i="1" dirty="0"/>
+              <a:t>a, B</a:t>
+            </a:r>
+            <a:r>
+              <a:rPr lang="en-US" sz="1000" b="1" i="1" baseline="-25000" dirty="0"/>
+              <a:t>1 </a:t>
+            </a:r>
+            <a:r>
+              <a:rPr lang="en-US" sz="1000" i="1" dirty="0"/>
+              <a:t>, C, D,</a:t>
+            </a:r>
+            <a:r>
+              <a:rPr lang="en-US" sz="1000" b="1" i="1" dirty="0"/>
+              <a:t> </a:t>
+            </a:r>
+            <a:r>
+              <a:rPr lang="en-US" sz="1000" b="1" i="1" dirty="0" err="1"/>
+              <a:t>Ee</a:t>
+            </a:r>
+            <a:r>
+              <a:rPr lang="en-US" sz="1000" b="1" i="1" dirty="0"/>
+              <a:t>, </a:t>
+            </a:r>
+            <a:r>
+              <a:rPr lang="en-US" sz="1000" b="1" i="1" dirty="0" err="1"/>
+              <a:t>F</a:t>
+            </a:r>
+            <a:r>
+              <a:rPr lang="en-US" sz="1000" b="1" i="1" baseline="-25000" dirty="0" err="1"/>
+              <a:t>x</a:t>
+            </a:r>
+            <a:endParaRPr lang="en-US" sz="1000" b="1" i="1" baseline="-25000" dirty="0"/>
+          </a:p>
+        </p:txBody>
+      </p:sp>
+      <p:sp>
+        <p:nvSpPr>
+          <p:cNvPr id="9" name="TextBox 8">
+            <a:extLst>
+              <a:ext uri="{FF2B5EF4-FFF2-40B4-BE49-F238E27FC236}">
+                <a16:creationId xmlns:a16="http://schemas.microsoft.com/office/drawing/2014/main" id="{AB92637B-8D15-E7CF-A8CD-71FA869BB132}"/>
+              </a:ext>
+            </a:extLst>
+          </p:cNvPr>
+          <p:cNvSpPr txBox="1"/>
+          <p:nvPr/>
+        </p:nvSpPr>
+        <p:spPr>
+          <a:xfrm>
+            <a:off x="818335" y="917384"/>
+            <a:ext cx="1283100" cy="246221"/>
+          </a:xfrm>
+          <a:prstGeom prst="rect">
+            <a:avLst/>
+          </a:prstGeom>
+          <a:noFill/>
+        </p:spPr>
+        <p:txBody>
+          <a:bodyPr wrap="square" rtlCol="0">
+            <a:spAutoFit/>
+          </a:bodyPr>
+          <a:lstStyle/>
+          <a:p>
+            <a:pPr algn="ctr"/>
+            <a:r>
+              <a:rPr lang="en-US" sz="1000" b="1" i="1" dirty="0"/>
+              <a:t>A, B, </a:t>
+            </a:r>
+            <a:r>
+              <a:rPr lang="en-US" sz="1000" i="1" dirty="0"/>
+              <a:t>C, D, </a:t>
+            </a:r>
+            <a:r>
+              <a:rPr lang="en-US" sz="1000" b="1" i="1" dirty="0"/>
+              <a:t>E, F</a:t>
+            </a:r>
+          </a:p>
+        </p:txBody>
+      </p:sp>
+      <p:sp>
+        <p:nvSpPr>
+          <p:cNvPr id="73" name="Rectangle 72">
+            <a:extLst>
+              <a:ext uri="{FF2B5EF4-FFF2-40B4-BE49-F238E27FC236}">
+                <a16:creationId xmlns:a16="http://schemas.microsoft.com/office/drawing/2014/main" id="{90A725AA-3622-1D85-A8FA-5435CD9F38D7}"/>
               </a:ext>
             </a:extLst>
           </p:cNvPr>
@@ -3248,8 +3282,8 @@
         </p:nvSpPr>
         <p:spPr>
           <a:xfrm>
-            <a:off x="52906" y="1716297"/>
-            <a:ext cx="2834697" cy="4931084"/>
+            <a:off x="3184992" y="40049"/>
+            <a:ext cx="3645484" cy="1478773"/>
           </a:xfrm>
           <a:prstGeom prst="rect">
             <a:avLst/>
@@ -3288,10 +3322,10 @@
       </p:sp>
       <p:sp>
         <p:nvSpPr>
-          <p:cNvPr id="81" name="Rectangle 80">
+          <p:cNvPr id="74" name="Rectangle 73">
             <a:extLst>
               <a:ext uri="{FF2B5EF4-FFF2-40B4-BE49-F238E27FC236}">
-                <a16:creationId xmlns:a16="http://schemas.microsoft.com/office/drawing/2014/main" id="{7E8FA18E-578B-2DD4-3D31-5DDD3DDFBA7A}"/>
+                <a16:creationId xmlns:a16="http://schemas.microsoft.com/office/drawing/2014/main" id="{75547A15-F9B7-A8C0-50AE-E7A1CB9DACBE}"/>
               </a:ext>
             </a:extLst>
           </p:cNvPr>
@@ -3300,8 +3334,8 @@
         </p:nvSpPr>
         <p:spPr>
           <a:xfrm>
-            <a:off x="755259" y="58980"/>
-            <a:ext cx="1432581" cy="347339"/>
+            <a:off x="52906" y="1716297"/>
+            <a:ext cx="2834697" cy="5065920"/>
           </a:xfrm>
           <a:prstGeom prst="rect">
             <a:avLst/>
@@ -3340,10 +3374,10 @@
       </p:sp>
       <p:sp>
         <p:nvSpPr>
-          <p:cNvPr id="86" name="Rounded Rectangle 85">
+          <p:cNvPr id="81" name="Rectangle 80">
             <a:extLst>
               <a:ext uri="{FF2B5EF4-FFF2-40B4-BE49-F238E27FC236}">
-                <a16:creationId xmlns:a16="http://schemas.microsoft.com/office/drawing/2014/main" id="{4DE9DCC5-B012-AA02-DCB2-438EF505EA39}"/>
+                <a16:creationId xmlns:a16="http://schemas.microsoft.com/office/drawing/2014/main" id="{7E8FA18E-578B-2DD4-3D31-5DDD3DDFBA7A}"/>
               </a:ext>
             </a:extLst>
           </p:cNvPr>
@@ -3352,10 +3386,10 @@
         </p:nvSpPr>
         <p:spPr>
           <a:xfrm>
-            <a:off x="3444198" y="4650094"/>
-            <a:ext cx="3319797" cy="2029034"/>
-          </a:xfrm>
-          <a:prstGeom prst="roundRect">
+            <a:off x="755259" y="58980"/>
+            <a:ext cx="1432581" cy="347339"/>
+          </a:xfrm>
+          <a:prstGeom prst="rect">
             <a:avLst/>
           </a:prstGeom>
           <a:noFill/>
@@ -3418,6 +3452,7 @@
             <a:solidFill>
               <a:schemeClr val="tx1"/>
             </a:solidFill>
+            <a:headEnd type="oval"/>
             <a:tailEnd type="arrow"/>
           </a:ln>
         </p:spPr>
@@ -3454,8 +3489,8 @@
         </p:nvCxnSpPr>
         <p:spPr>
           <a:xfrm flipV="1">
-            <a:off x="2887603" y="2609345"/>
-            <a:ext cx="1078871" cy="1572494"/>
+            <a:off x="2887603" y="2592759"/>
+            <a:ext cx="883132" cy="1656498"/>
           </a:xfrm>
           <a:prstGeom prst="bentConnector3">
             <a:avLst>
@@ -3466,6 +3501,7 @@
             <a:solidFill>
               <a:schemeClr val="tx1"/>
             </a:solidFill>
+            <a:headEnd type="oval"/>
             <a:tailEnd type="arrow"/>
           </a:ln>
         </p:spPr>
@@ -3498,8 +3534,8 @@
         </p:nvSpPr>
         <p:spPr>
           <a:xfrm>
-            <a:off x="3966474" y="1821931"/>
-            <a:ext cx="2165989" cy="1574828"/>
+            <a:off x="3770735" y="1749738"/>
+            <a:ext cx="2568411" cy="1686041"/>
           </a:xfrm>
           <a:prstGeom prst="rect">
             <a:avLst/>
@@ -3552,7 +3588,7 @@
         </p:nvCxnSpPr>
         <p:spPr>
           <a:xfrm>
-            <a:off x="5071289" y="4364474"/>
+            <a:off x="5056726" y="4364474"/>
             <a:ext cx="0" cy="285620"/>
           </a:xfrm>
           <a:prstGeom prst="straightConnector1">
@@ -3562,6 +3598,7 @@
             <a:solidFill>
               <a:schemeClr val="tx1"/>
             </a:solidFill>
+            <a:headEnd type="oval"/>
             <a:tailEnd type="arrow"/>
           </a:ln>
         </p:spPr>
@@ -3596,8 +3633,8 @@
         </p:nvCxnSpPr>
         <p:spPr>
           <a:xfrm>
-            <a:off x="5069725" y="1518822"/>
-            <a:ext cx="0" cy="303109"/>
+            <a:off x="5055944" y="1518822"/>
+            <a:ext cx="1564" cy="230916"/>
           </a:xfrm>
           <a:prstGeom prst="straightConnector1">
             <a:avLst/>
@@ -3606,6 +3643,7 @@
             <a:solidFill>
               <a:schemeClr val="tx1"/>
             </a:solidFill>
+            <a:headEnd type="oval"/>
             <a:tailEnd type="arrow"/>
           </a:ln>
         </p:spPr>
@@ -3639,15 +3677,15 @@
           <p:nvPr/>
         </p:nvPicPr>
         <p:blipFill>
-          <a:blip r:embed="rId6"/>
+          <a:blip r:embed="rId7"/>
           <a:stretch>
             <a:fillRect/>
           </a:stretch>
         </p:blipFill>
         <p:spPr>
           <a:xfrm>
-            <a:off x="3666049" y="3613700"/>
-            <a:ext cx="2834698" cy="809913"/>
+            <a:off x="3458655" y="3566478"/>
+            <a:ext cx="3210534" cy="917295"/>
           </a:xfrm>
           <a:prstGeom prst="rect">
             <a:avLst/>
@@ -3665,14 +3703,13 @@
           </p:cNvPr>
           <p:cNvCxnSpPr>
             <a:cxnSpLocks/>
-            <a:endCxn id="159" idx="0"/>
           </p:cNvCxnSpPr>
           <p:nvPr/>
         </p:nvCxnSpPr>
         <p:spPr>
           <a:xfrm>
-            <a:off x="5054942" y="3396759"/>
-            <a:ext cx="0" cy="303109"/>
+            <a:off x="5056726" y="3442814"/>
+            <a:ext cx="0" cy="257054"/>
           </a:xfrm>
           <a:prstGeom prst="straightConnector1">
             <a:avLst/>
@@ -3681,6 +3718,7 @@
             <a:solidFill>
               <a:schemeClr val="tx1"/>
             </a:solidFill>
+            <a:headEnd type="oval"/>
             <a:tailEnd type="arrow"/>
           </a:ln>
         </p:spPr>
@@ -3713,8 +3751,8 @@
         </p:nvSpPr>
         <p:spPr>
           <a:xfrm>
-            <a:off x="3770735" y="3699868"/>
-            <a:ext cx="2568414" cy="644435"/>
+            <a:off x="3575244" y="3699868"/>
+            <a:ext cx="2933837" cy="644435"/>
           </a:xfrm>
           <a:prstGeom prst="rect">
             <a:avLst/>
@@ -3751,36 +3789,6 @@
           </a:p>
         </p:txBody>
       </p:sp>
-      <p:pic>
-        <p:nvPicPr>
-          <p:cNvPr id="167" name="Picture 166">
-            <a:extLst>
-              <a:ext uri="{FF2B5EF4-FFF2-40B4-BE49-F238E27FC236}">
-                <a16:creationId xmlns:a16="http://schemas.microsoft.com/office/drawing/2014/main" id="{6B689CC1-A45F-C75A-363F-157CAB25DC58}"/>
-              </a:ext>
-            </a:extLst>
-          </p:cNvPr>
-          <p:cNvPicPr>
-            <a:picLocks noChangeAspect="1"/>
-          </p:cNvPicPr>
-          <p:nvPr/>
-        </p:nvPicPr>
-        <p:blipFill>
-          <a:blip r:embed="rId7"/>
-          <a:stretch>
-            <a:fillRect/>
-          </a:stretch>
-        </p:blipFill>
-        <p:spPr>
-          <a:xfrm>
-            <a:off x="3891349" y="1714576"/>
-            <a:ext cx="2211008" cy="1768806"/>
-          </a:xfrm>
-          <a:prstGeom prst="rect">
-            <a:avLst/>
-          </a:prstGeom>
-        </p:spPr>
-      </p:pic>
       <p:sp>
         <p:nvSpPr>
           <p:cNvPr id="168" name="Rectangle 167">
@@ -3861,6 +3869,7 @@
             <a:solidFill>
               <a:schemeClr val="tx1"/>
             </a:solidFill>
+            <a:headEnd type="oval"/>
             <a:tailEnd type="arrow"/>
           </a:ln>
         </p:spPr>
@@ -3923,15 +3932,17 @@
               </a:ext>
             </a:extLst>
           </p:cNvPr>
-          <p:cNvGrpSpPr/>
+          <p:cNvGrpSpPr>
+            <a:grpSpLocks noChangeAspect="1"/>
+          </p:cNvGrpSpPr>
           <p:nvPr/>
         </p:nvGrpSpPr>
         <p:grpSpPr>
           <a:xfrm>
-            <a:off x="1083244" y="5116394"/>
-            <a:ext cx="1618259" cy="1284516"/>
-            <a:chOff x="349831" y="5774256"/>
-            <a:chExt cx="2128684" cy="1689674"/>
+            <a:off x="919614" y="5212641"/>
+            <a:ext cx="1828800" cy="1325879"/>
+            <a:chOff x="349831" y="5863880"/>
+            <a:chExt cx="2128684" cy="1543297"/>
           </a:xfrm>
         </p:grpSpPr>
         <p:sp>
@@ -3948,8 +3959,8 @@
           </p:nvSpPr>
           <p:spPr>
             <a:xfrm>
-              <a:off x="349831" y="5774256"/>
-              <a:ext cx="2128684" cy="1689674"/>
+              <a:off x="349831" y="5863880"/>
+              <a:ext cx="2128684" cy="1543297"/>
             </a:xfrm>
             <a:prstGeom prst="roundRect">
               <a:avLst/>
@@ -3957,6 +3968,9 @@
             <a:solidFill>
               <a:srgbClr val="FFFFFF"/>
             </a:solidFill>
+            <a:ln>
+              <a:noFill/>
+            </a:ln>
             <a:effectLst>
               <a:glow rad="127000">
                 <a:schemeClr val="bg1">
@@ -4022,8 +4036,8 @@
           </p:blipFill>
           <p:spPr>
             <a:xfrm>
-              <a:off x="374937" y="5929434"/>
-              <a:ext cx="2057399" cy="1428750"/>
+              <a:off x="360154" y="5929434"/>
+              <a:ext cx="2057398" cy="1428749"/>
             </a:xfrm>
             <a:prstGeom prst="rect">
               <a:avLst/>
@@ -4040,15 +4054,17 @@
               </a:ext>
             </a:extLst>
           </p:cNvPr>
-          <p:cNvGrpSpPr/>
+          <p:cNvGrpSpPr>
+            <a:grpSpLocks noChangeAspect="1"/>
+          </p:cNvGrpSpPr>
           <p:nvPr/>
         </p:nvGrpSpPr>
         <p:grpSpPr>
           <a:xfrm>
-            <a:off x="610815" y="3477231"/>
-            <a:ext cx="1632479" cy="1276829"/>
-            <a:chOff x="2410265" y="2667117"/>
-            <a:chExt cx="1002640" cy="784206"/>
+            <a:off x="524189" y="3534979"/>
+            <a:ext cx="1828800" cy="1325880"/>
+            <a:chOff x="2404988" y="2693502"/>
+            <a:chExt cx="1002640" cy="726914"/>
           </a:xfrm>
           <a:effectLst>
             <a:glow rad="127000">
@@ -4072,13 +4088,15 @@
                 </a:ext>
               </a:extLst>
             </p:cNvPr>
-            <p:cNvSpPr/>
+            <p:cNvSpPr>
+              <a:spLocks/>
+            </p:cNvSpPr>
             <p:nvPr/>
           </p:nvSpPr>
           <p:spPr>
             <a:xfrm>
-              <a:off x="2410265" y="2667117"/>
-              <a:ext cx="997821" cy="784206"/>
+              <a:off x="2404988" y="2693502"/>
+              <a:ext cx="1002640" cy="726914"/>
             </a:xfrm>
             <a:prstGeom prst="roundRect">
               <a:avLst/>
@@ -4086,6 +4104,9 @@
             <a:solidFill>
               <a:srgbClr val="FFFFFF"/>
             </a:solidFill>
+            <a:ln>
+              <a:noFill/>
+            </a:ln>
           </p:spPr>
           <p:style>
             <a:lnRef idx="2">
@@ -4139,7 +4160,7 @@
           </p:blipFill>
           <p:spPr>
             <a:xfrm>
-              <a:off x="2448499" y="2725357"/>
+              <a:off x="2409983" y="2725357"/>
               <a:ext cx="964406" cy="669726"/>
             </a:xfrm>
             <a:prstGeom prst="rect">
@@ -4157,13 +4178,15 @@
               </a:ext>
             </a:extLst>
           </p:cNvPr>
-          <p:cNvGrpSpPr/>
+          <p:cNvGrpSpPr>
+            <a:grpSpLocks noChangeAspect="1"/>
+          </p:cNvGrpSpPr>
           <p:nvPr/>
         </p:nvGrpSpPr>
         <p:grpSpPr>
           <a:xfrm>
-            <a:off x="251885" y="2016695"/>
-            <a:ext cx="1632478" cy="1107039"/>
+            <a:off x="184510" y="1987819"/>
+            <a:ext cx="1828800" cy="1240172"/>
             <a:chOff x="1338768" y="3030316"/>
             <a:chExt cx="997820" cy="676656"/>
           </a:xfrm>
@@ -4203,6 +4226,9 @@
             <a:solidFill>
               <a:srgbClr val="FFFFFF"/>
             </a:solidFill>
+            <a:ln>
+              <a:noFill/>
+            </a:ln>
           </p:spPr>
           <p:style>
             <a:lnRef idx="2">
@@ -4256,7 +4282,7 @@
           </p:blipFill>
           <p:spPr>
             <a:xfrm>
-              <a:off x="1361118" y="3035341"/>
+              <a:off x="1342064" y="3035341"/>
               <a:ext cx="964407" cy="669726"/>
             </a:xfrm>
             <a:prstGeom prst="rect">
@@ -4295,6 +4321,7 @@
             <a:solidFill>
               <a:schemeClr val="tx1"/>
             </a:solidFill>
+            <a:headEnd type="oval"/>
             <a:tailEnd type="arrow"/>
           </a:ln>
         </p:spPr>
@@ -4397,7 +4424,7 @@
         </p:nvSpPr>
         <p:spPr>
           <a:xfrm>
-            <a:off x="52906" y="1717553"/>
+            <a:off x="11231" y="1672703"/>
             <a:ext cx="296876" cy="276999"/>
           </a:xfrm>
           <a:prstGeom prst="rect">
@@ -4432,7 +4459,7 @@
         </p:nvSpPr>
         <p:spPr>
           <a:xfrm>
-            <a:off x="3140581" y="77456"/>
+            <a:off x="3140581" y="38956"/>
             <a:ext cx="311304" cy="276999"/>
           </a:xfrm>
           <a:prstGeom prst="rect">
@@ -4467,7 +4494,7 @@
         </p:nvSpPr>
         <p:spPr>
           <a:xfrm>
-            <a:off x="3893730" y="1804325"/>
+            <a:off x="3737316" y="1724918"/>
             <a:ext cx="308098" cy="276999"/>
           </a:xfrm>
           <a:prstGeom prst="rect">
@@ -4502,7 +4529,7 @@
         </p:nvSpPr>
         <p:spPr>
           <a:xfrm>
-            <a:off x="3729842" y="3674231"/>
+            <a:off x="3549363" y="3674231"/>
             <a:ext cx="279885" cy="276999"/>
           </a:xfrm>
           <a:prstGeom prst="rect">
@@ -4537,7 +4564,7 @@
         </p:nvSpPr>
         <p:spPr>
           <a:xfrm>
-            <a:off x="3575244" y="4685285"/>
+            <a:off x="3250385" y="4685285"/>
             <a:ext cx="303288" cy="276999"/>
           </a:xfrm>
           <a:prstGeom prst="rect">
@@ -4575,7 +4602,7 @@
         <p:spPr>
           <a:xfrm flipV="1">
             <a:off x="2450725" y="1182959"/>
-            <a:ext cx="712156" cy="521720"/>
+            <a:ext cx="722376" cy="521720"/>
           </a:xfrm>
           <a:prstGeom prst="bentConnector3">
             <a:avLst>
@@ -4586,6 +4613,7 @@
             <a:solidFill>
               <a:schemeClr val="tx1"/>
             </a:solidFill>
+            <a:headEnd type="oval"/>
             <a:tailEnd type="arrow"/>
           </a:ln>
         </p:spPr>
@@ -4618,7 +4646,7 @@
         </p:nvGrpSpPr>
         <p:grpSpPr>
           <a:xfrm>
-            <a:off x="4054140" y="629110"/>
+            <a:off x="4025265" y="571360"/>
             <a:ext cx="495297" cy="487448"/>
             <a:chOff x="10386505" y="7974231"/>
             <a:chExt cx="1706127" cy="1679086"/>
@@ -4749,7 +4777,7 @@
         </p:nvGrpSpPr>
         <p:grpSpPr>
           <a:xfrm>
-            <a:off x="4217564" y="89598"/>
+            <a:off x="4217564" y="60723"/>
             <a:ext cx="614272" cy="443110"/>
             <a:chOff x="4285124" y="1044781"/>
             <a:chExt cx="468677" cy="338084"/>
@@ -4876,7 +4904,7 @@
         </p:nvGrpSpPr>
         <p:grpSpPr>
           <a:xfrm>
-            <a:off x="3113975" y="1074409"/>
+            <a:off x="3162101" y="1084034"/>
             <a:ext cx="1163318" cy="363571"/>
             <a:chOff x="3939008" y="1202261"/>
             <a:chExt cx="682002" cy="209008"/>
@@ -5004,7 +5032,7 @@
         </p:nvGrpSpPr>
         <p:grpSpPr>
           <a:xfrm>
-            <a:off x="3290213" y="597619"/>
+            <a:off x="3290213" y="578369"/>
             <a:ext cx="641593" cy="361894"/>
             <a:chOff x="5112258" y="655789"/>
             <a:chExt cx="596323" cy="336359"/>
@@ -5093,12 +5121,243 @@
           </p:spPr>
         </p:pic>
       </p:grpSp>
+      <p:sp>
+        <p:nvSpPr>
+          <p:cNvPr id="53" name="TextBox 52">
+            <a:extLst>
+              <a:ext uri="{FF2B5EF4-FFF2-40B4-BE49-F238E27FC236}">
+                <a16:creationId xmlns:a16="http://schemas.microsoft.com/office/drawing/2014/main" id="{A277794A-32F9-5835-2BA4-CC19A0AF9EC7}"/>
+              </a:ext>
+            </a:extLst>
+          </p:cNvPr>
+          <p:cNvSpPr txBox="1"/>
+          <p:nvPr/>
+        </p:nvSpPr>
+        <p:spPr>
+          <a:xfrm>
+            <a:off x="2533806" y="6188146"/>
+            <a:ext cx="322524" cy="215444"/>
+          </a:xfrm>
+          <a:prstGeom prst="rect">
+            <a:avLst/>
+          </a:prstGeom>
+          <a:noFill/>
+        </p:spPr>
+        <p:txBody>
+          <a:bodyPr wrap="none" rtlCol="0">
+            <a:spAutoFit/>
+          </a:bodyPr>
+          <a:lstStyle/>
+          <a:p>
+            <a:r>
+              <a:rPr lang="en-US" sz="800" dirty="0"/>
+              <a:t>Ma</a:t>
+            </a:r>
+          </a:p>
+        </p:txBody>
+      </p:sp>
+      <p:sp>
+        <p:nvSpPr>
+          <p:cNvPr id="46" name="TextBox 45">
+            <a:extLst>
+              <a:ext uri="{FF2B5EF4-FFF2-40B4-BE49-F238E27FC236}">
+                <a16:creationId xmlns:a16="http://schemas.microsoft.com/office/drawing/2014/main" id="{4C3DCD42-7906-5340-8428-F938F7EDC3A7}"/>
+              </a:ext>
+            </a:extLst>
+          </p:cNvPr>
+          <p:cNvSpPr txBox="1"/>
+          <p:nvPr/>
+        </p:nvSpPr>
+        <p:spPr>
+          <a:xfrm>
+            <a:off x="6376643" y="6383636"/>
+            <a:ext cx="338554" cy="230832"/>
+          </a:xfrm>
+          <a:prstGeom prst="rect">
+            <a:avLst/>
+          </a:prstGeom>
+          <a:noFill/>
+        </p:spPr>
+        <p:txBody>
+          <a:bodyPr wrap="none" rtlCol="0">
+            <a:spAutoFit/>
+          </a:bodyPr>
+          <a:lstStyle/>
+          <a:p>
+            <a:r>
+              <a:rPr lang="en-US" sz="900" dirty="0"/>
+              <a:t>Ma</a:t>
+            </a:r>
+          </a:p>
+        </p:txBody>
+      </p:sp>
+      <p:sp>
+        <p:nvSpPr>
+          <p:cNvPr id="54" name="TextBox 53">
+            <a:extLst>
+              <a:ext uri="{FF2B5EF4-FFF2-40B4-BE49-F238E27FC236}">
+                <a16:creationId xmlns:a16="http://schemas.microsoft.com/office/drawing/2014/main" id="{67308ADF-F469-24BF-8BAF-DB90747A2AFE}"/>
+              </a:ext>
+            </a:extLst>
+          </p:cNvPr>
+          <p:cNvSpPr txBox="1"/>
+          <p:nvPr/>
+        </p:nvSpPr>
+        <p:spPr>
+          <a:xfrm>
+            <a:off x="2117230" y="4479600"/>
+            <a:ext cx="322524" cy="215444"/>
+          </a:xfrm>
+          <a:prstGeom prst="rect">
+            <a:avLst/>
+          </a:prstGeom>
+          <a:noFill/>
+        </p:spPr>
+        <p:txBody>
+          <a:bodyPr wrap="none" rtlCol="0">
+            <a:spAutoFit/>
+          </a:bodyPr>
+          <a:lstStyle/>
+          <a:p>
+            <a:r>
+              <a:rPr lang="en-US" sz="800" dirty="0"/>
+              <a:t>Ma</a:t>
+            </a:r>
+          </a:p>
+        </p:txBody>
+      </p:sp>
+      <p:sp>
+        <p:nvSpPr>
+          <p:cNvPr id="55" name="TextBox 54">
+            <a:extLst>
+              <a:ext uri="{FF2B5EF4-FFF2-40B4-BE49-F238E27FC236}">
+                <a16:creationId xmlns:a16="http://schemas.microsoft.com/office/drawing/2014/main" id="{5D7CEB7B-5D15-43B2-F89C-FB433E7403AF}"/>
+              </a:ext>
+            </a:extLst>
+          </p:cNvPr>
+          <p:cNvSpPr txBox="1"/>
+          <p:nvPr/>
+        </p:nvSpPr>
+        <p:spPr>
+          <a:xfrm>
+            <a:off x="1788382" y="2841221"/>
+            <a:ext cx="322524" cy="215444"/>
+          </a:xfrm>
+          <a:prstGeom prst="rect">
+            <a:avLst/>
+          </a:prstGeom>
+          <a:noFill/>
+        </p:spPr>
+        <p:txBody>
+          <a:bodyPr wrap="none" rtlCol="0">
+            <a:spAutoFit/>
+          </a:bodyPr>
+          <a:lstStyle/>
+          <a:p>
+            <a:r>
+              <a:rPr lang="en-US" sz="800" dirty="0"/>
+              <a:t>Ma</a:t>
+            </a:r>
+          </a:p>
+        </p:txBody>
+      </p:sp>
+      <p:pic>
+        <p:nvPicPr>
+          <p:cNvPr id="57" name="Graphic 56">
+            <a:extLst>
+              <a:ext uri="{FF2B5EF4-FFF2-40B4-BE49-F238E27FC236}">
+                <a16:creationId xmlns:a16="http://schemas.microsoft.com/office/drawing/2014/main" id="{334E25FF-A423-0CD3-2AB1-75E4A8574517}"/>
+              </a:ext>
+            </a:extLst>
+          </p:cNvPr>
+          <p:cNvPicPr>
+            <a:picLocks noChangeAspect="1"/>
+          </p:cNvPicPr>
+          <p:nvPr/>
+        </p:nvPicPr>
+        <p:blipFill rotWithShape="1">
+          <a:blip r:embed="rId5">
+            <a:extLst>
+              <a:ext uri="{96DAC541-7B7A-43D3-8B79-37D633B846F1}">
+                <asvg:svgBlip xmlns:asvg="http://schemas.microsoft.com/office/drawing/2016/SVG/main" r:embed="rId6"/>
+              </a:ext>
+            </a:extLst>
+          </a:blip>
+          <a:srcRect l="18708" t="43346" r="56466" b="28966"/>
+          <a:stretch/>
+        </p:blipFill>
+        <p:spPr>
+          <a:xfrm>
+            <a:off x="3328877" y="5286577"/>
+            <a:ext cx="1324503" cy="984824"/>
+          </a:xfrm>
+          <a:prstGeom prst="rect">
+            <a:avLst/>
+          </a:prstGeom>
+        </p:spPr>
+      </p:pic>
+      <p:sp>
+        <p:nvSpPr>
+          <p:cNvPr id="24" name="Block Arc 23">
+            <a:extLst>
+              <a:ext uri="{FF2B5EF4-FFF2-40B4-BE49-F238E27FC236}">
+                <a16:creationId xmlns:a16="http://schemas.microsoft.com/office/drawing/2014/main" id="{0AD175E3-6B77-CD2B-E65F-0DB1351F4945}"/>
+              </a:ext>
+            </a:extLst>
+          </p:cNvPr>
+          <p:cNvSpPr/>
+          <p:nvPr/>
+        </p:nvSpPr>
+        <p:spPr>
+          <a:xfrm rot="18308074">
+            <a:off x="3035619" y="4641164"/>
+            <a:ext cx="652457" cy="435542"/>
+          </a:xfrm>
+          <a:prstGeom prst="blockArc">
+            <a:avLst/>
+          </a:prstGeom>
+          <a:solidFill>
+            <a:schemeClr val="bg1"/>
+          </a:solidFill>
+          <a:ln>
+            <a:noFill/>
+          </a:ln>
+        </p:spPr>
+        <p:style>
+          <a:lnRef idx="2">
+            <a:schemeClr val="accent1">
+              <a:shade val="15000"/>
+            </a:schemeClr>
+          </a:lnRef>
+          <a:fillRef idx="1">
+            <a:schemeClr val="accent1"/>
+          </a:fillRef>
+          <a:effectRef idx="0">
+            <a:schemeClr val="accent1"/>
+          </a:effectRef>
+          <a:fontRef idx="minor">
+            <a:schemeClr val="lt1"/>
+          </a:fontRef>
+        </p:style>
+        <p:txBody>
+          <a:bodyPr rtlCol="0" anchor="ctr"/>
+          <a:lstStyle/>
+          <a:p>
+            <a:pPr algn="ctr"/>
+            <a:endParaRPr lang="en-US">
+              <a:solidFill>
+                <a:schemeClr val="tx1"/>
+              </a:solidFill>
+            </a:endParaRPr>
+          </a:p>
+        </p:txBody>
+      </p:sp>
       <p:grpSp>
         <p:nvGrpSpPr>
-          <p:cNvPr id="17" name="Group 16">
+          <p:cNvPr id="58" name="Group 57">
             <a:extLst>
               <a:ext uri="{FF2B5EF4-FFF2-40B4-BE49-F238E27FC236}">
-                <a16:creationId xmlns:a16="http://schemas.microsoft.com/office/drawing/2014/main" id="{379C8538-2831-7177-08CE-C60A5C5CC9B6}"/>
+                <a16:creationId xmlns:a16="http://schemas.microsoft.com/office/drawing/2014/main" id="{83CD3FF9-ACBF-F843-552C-8649A6B6562B}"/>
               </a:ext>
             </a:extLst>
           </p:cNvPr>
@@ -5107,7 +5366,7 @@
         </p:nvGrpSpPr>
         <p:grpSpPr>
           <a:xfrm>
-            <a:off x="3274313" y="151111"/>
+            <a:off x="3235813" y="102986"/>
             <a:ext cx="1054892" cy="338554"/>
             <a:chOff x="3858522" y="1175349"/>
             <a:chExt cx="648928" cy="221461"/>
@@ -5115,10 +5374,10 @@
         </p:grpSpPr>
         <p:sp>
           <p:nvSpPr>
-            <p:cNvPr id="18" name="Plaque 17">
+            <p:cNvPr id="59" name="Plaque 58">
               <a:extLst>
                 <a:ext uri="{FF2B5EF4-FFF2-40B4-BE49-F238E27FC236}">
-                  <a16:creationId xmlns:a16="http://schemas.microsoft.com/office/drawing/2014/main" id="{ED4D8598-4A94-EAA7-481C-95540B5DE1C5}"/>
+                  <a16:creationId xmlns:a16="http://schemas.microsoft.com/office/drawing/2014/main" id="{CF728566-D036-52C1-4181-62BF3B034F16}"/>
                 </a:ext>
               </a:extLst>
             </p:cNvPr>
@@ -5170,10 +5429,10 @@
         </p:sp>
         <p:sp>
           <p:nvSpPr>
-            <p:cNvPr id="19" name="TextBox 18">
+            <p:cNvPr id="60" name="TextBox 59">
               <a:extLst>
                 <a:ext uri="{FF2B5EF4-FFF2-40B4-BE49-F238E27FC236}">
-                  <a16:creationId xmlns:a16="http://schemas.microsoft.com/office/drawing/2014/main" id="{67A8908F-3137-9EED-62E2-D848FC0F7C13}"/>
+                  <a16:creationId xmlns:a16="http://schemas.microsoft.com/office/drawing/2014/main" id="{5EE1821F-86F8-7BFB-507B-6071699C28A1}"/>
                 </a:ext>
               </a:extLst>
             </p:cNvPr>
@@ -5220,6 +5479,187 @@
           </p:txBody>
         </p:sp>
       </p:grpSp>
+      <p:cxnSp>
+        <p:nvCxnSpPr>
+          <p:cNvPr id="17" name="Straight Connector 16">
+            <a:extLst>
+              <a:ext uri="{FF2B5EF4-FFF2-40B4-BE49-F238E27FC236}">
+                <a16:creationId xmlns:a16="http://schemas.microsoft.com/office/drawing/2014/main" id="{26F99A0F-CC09-00DA-1C05-98FABB2992EA}"/>
+              </a:ext>
+            </a:extLst>
+          </p:cNvPr>
+          <p:cNvCxnSpPr>
+            <a:cxnSpLocks/>
+          </p:cNvCxnSpPr>
+          <p:nvPr/>
+        </p:nvCxnSpPr>
+        <p:spPr>
+          <a:xfrm flipH="1">
+            <a:off x="241085" y="2488300"/>
+            <a:ext cx="685800" cy="0"/>
+          </a:xfrm>
+          <a:prstGeom prst="line">
+            <a:avLst/>
+          </a:prstGeom>
+          <a:ln w="19050">
+            <a:solidFill>
+              <a:srgbClr val="FFFFFF"/>
+            </a:solidFill>
+          </a:ln>
+        </p:spPr>
+        <p:style>
+          <a:lnRef idx="1">
+            <a:schemeClr val="accent1"/>
+          </a:lnRef>
+          <a:fillRef idx="0">
+            <a:schemeClr val="accent1"/>
+          </a:fillRef>
+          <a:effectRef idx="0">
+            <a:schemeClr val="accent1"/>
+          </a:effectRef>
+          <a:fontRef idx="minor">
+            <a:schemeClr val="tx1"/>
+          </a:fontRef>
+        </p:style>
+      </p:cxnSp>
+      <p:cxnSp>
+        <p:nvCxnSpPr>
+          <p:cNvPr id="19" name="Straight Connector 18">
+            <a:extLst>
+              <a:ext uri="{FF2B5EF4-FFF2-40B4-BE49-F238E27FC236}">
+                <a16:creationId xmlns:a16="http://schemas.microsoft.com/office/drawing/2014/main" id="{A1491A24-FFC7-07F6-19FD-9C732B8F13F3}"/>
+              </a:ext>
+            </a:extLst>
+          </p:cNvPr>
+          <p:cNvCxnSpPr>
+            <a:cxnSpLocks/>
+          </p:cNvCxnSpPr>
+          <p:nvPr/>
+        </p:nvCxnSpPr>
+        <p:spPr>
+          <a:xfrm flipH="1">
+            <a:off x="587630" y="4249257"/>
+            <a:ext cx="813816" cy="0"/>
+          </a:xfrm>
+          <a:prstGeom prst="line">
+            <a:avLst/>
+          </a:prstGeom>
+          <a:ln w="19050">
+            <a:solidFill>
+              <a:srgbClr val="FFFFFF"/>
+            </a:solidFill>
+          </a:ln>
+        </p:spPr>
+        <p:style>
+          <a:lnRef idx="1">
+            <a:schemeClr val="accent1"/>
+          </a:lnRef>
+          <a:fillRef idx="0">
+            <a:schemeClr val="accent1"/>
+          </a:fillRef>
+          <a:effectRef idx="0">
+            <a:schemeClr val="accent1"/>
+          </a:effectRef>
+          <a:fontRef idx="minor">
+            <a:schemeClr val="tx1"/>
+          </a:fontRef>
+        </p:style>
+      </p:cxnSp>
+      <p:cxnSp>
+        <p:nvCxnSpPr>
+          <p:cNvPr id="20" name="Straight Connector 19">
+            <a:extLst>
+              <a:ext uri="{FF2B5EF4-FFF2-40B4-BE49-F238E27FC236}">
+                <a16:creationId xmlns:a16="http://schemas.microsoft.com/office/drawing/2014/main" id="{56F9DB39-63BC-693D-A389-3CC2C25397B5}"/>
+              </a:ext>
+            </a:extLst>
+          </p:cNvPr>
+          <p:cNvCxnSpPr>
+            <a:cxnSpLocks/>
+          </p:cNvCxnSpPr>
+          <p:nvPr/>
+        </p:nvCxnSpPr>
+        <p:spPr>
+          <a:xfrm flipH="1">
+            <a:off x="996293" y="5952464"/>
+            <a:ext cx="713232" cy="0"/>
+          </a:xfrm>
+          <a:prstGeom prst="line">
+            <a:avLst/>
+          </a:prstGeom>
+          <a:ln w="28575">
+            <a:solidFill>
+              <a:srgbClr val="FFFFFF"/>
+            </a:solidFill>
+          </a:ln>
+        </p:spPr>
+        <p:style>
+          <a:lnRef idx="1">
+            <a:schemeClr val="accent1"/>
+          </a:lnRef>
+          <a:fillRef idx="0">
+            <a:schemeClr val="accent1"/>
+          </a:fillRef>
+          <a:effectRef idx="0">
+            <a:schemeClr val="accent1"/>
+          </a:effectRef>
+          <a:fontRef idx="minor">
+            <a:schemeClr val="tx1"/>
+          </a:fontRef>
+        </p:style>
+      </p:cxnSp>
+      <p:sp>
+        <p:nvSpPr>
+          <p:cNvPr id="86" name="Rounded Rectangle 85">
+            <a:extLst>
+              <a:ext uri="{FF2B5EF4-FFF2-40B4-BE49-F238E27FC236}">
+                <a16:creationId xmlns:a16="http://schemas.microsoft.com/office/drawing/2014/main" id="{4DE9DCC5-B012-AA02-DCB2-438EF505EA39}"/>
+              </a:ext>
+            </a:extLst>
+          </p:cNvPr>
+          <p:cNvSpPr/>
+          <p:nvPr/>
+        </p:nvSpPr>
+        <p:spPr>
+          <a:xfrm>
+            <a:off x="3213856" y="4650094"/>
+            <a:ext cx="3591238" cy="2130450"/>
+          </a:xfrm>
+          <a:prstGeom prst="roundRect">
+            <a:avLst/>
+          </a:prstGeom>
+          <a:noFill/>
+          <a:ln w="19050">
+            <a:solidFill>
+              <a:schemeClr val="tx1"/>
+            </a:solidFill>
+          </a:ln>
+        </p:spPr>
+        <p:style>
+          <a:lnRef idx="2">
+            <a:schemeClr val="accent1">
+              <a:shade val="15000"/>
+            </a:schemeClr>
+          </a:lnRef>
+          <a:fillRef idx="1">
+            <a:schemeClr val="accent1"/>
+          </a:fillRef>
+          <a:effectRef idx="0">
+            <a:schemeClr val="accent1"/>
+          </a:effectRef>
+          <a:fontRef idx="minor">
+            <a:schemeClr val="lt1"/>
+          </a:fontRef>
+        </p:style>
+        <p:txBody>
+          <a:bodyPr rtlCol="0" anchor="ctr"/>
+          <a:lstStyle/>
+          <a:p>
+            <a:pPr algn="ctr"/>
+            <a:endParaRPr lang="en-US"/>
+          </a:p>
+        </p:txBody>
+      </p:sp>
     </p:spTree>
     <p:extLst>
       <p:ext uri="{BB962C8B-B14F-4D97-AF65-F5344CB8AC3E}">
